--- a/presentation.pptx
+++ b/presentation.pptx
@@ -8,8 +8,10 @@
     <p:sldId id="256" r:id="rId2"/>
     <p:sldId id="257" r:id="rId3"/>
     <p:sldId id="259" r:id="rId4"/>
-    <p:sldId id="261" r:id="rId5"/>
-    <p:sldId id="258" r:id="rId6"/>
+    <p:sldId id="262" r:id="rId5"/>
+    <p:sldId id="263" r:id="rId6"/>
+    <p:sldId id="261" r:id="rId7"/>
+    <p:sldId id="258" r:id="rId8"/>
   </p:sldIdLst>
   <p:sldSz cx="12192000" cy="6858000"/>
   <p:notesSz cx="6858000" cy="9144000"/>
@@ -108,6 +110,11 @@
       </a:defRPr>
     </a:lvl9pPr>
   </p:defaultTextStyle>
+  <p:extLst>
+    <p:ext uri="{EFAFB233-063F-42B5-8137-9DF3F51BA10A}">
+      <p15:sldGuideLst xmlns:p15="http://schemas.microsoft.com/office/powerpoint/2012/main"/>
+    </p:ext>
+  </p:extLst>
 </p:presentation>
 </file>
 
@@ -4671,6 +4678,1174 @@
           <a:chExt cx="0" cy="0"/>
         </a:xfrm>
       </p:grpSpPr>
+      <p:sp>
+        <p:nvSpPr>
+          <p:cNvPr id="4" name="CuadroTexto 3">
+            <a:extLst>
+              <a:ext uri="{FF2B5EF4-FFF2-40B4-BE49-F238E27FC236}">
+                <a16:creationId xmlns:a16="http://schemas.microsoft.com/office/drawing/2014/main" id="{F74852A6-CD69-470F-9031-CE5AD8BA77D4}"/>
+              </a:ext>
+            </a:extLst>
+          </p:cNvPr>
+          <p:cNvSpPr txBox="1"/>
+          <p:nvPr/>
+        </p:nvSpPr>
+        <p:spPr>
+          <a:xfrm>
+            <a:off x="4897843" y="0"/>
+            <a:ext cx="1566198" cy="369332"/>
+          </a:xfrm>
+          <a:prstGeom prst="rect">
+            <a:avLst/>
+          </a:prstGeom>
+          <a:noFill/>
+        </p:spPr>
+        <p:txBody>
+          <a:bodyPr wrap="none" rtlCol="0">
+            <a:spAutoFit/>
+          </a:bodyPr>
+          <a:lstStyle/>
+          <a:p>
+            <a:r>
+              <a:rPr lang="en-US" b="1" dirty="0">
+                <a:solidFill>
+                  <a:srgbClr val="FF0000"/>
+                </a:solidFill>
+              </a:rPr>
+              <a:t>About training</a:t>
+            </a:r>
+          </a:p>
+        </p:txBody>
+      </p:sp>
+      <p:grpSp>
+        <p:nvGrpSpPr>
+          <p:cNvPr id="8" name="Grupo 7">
+            <a:extLst>
+              <a:ext uri="{FF2B5EF4-FFF2-40B4-BE49-F238E27FC236}">
+                <a16:creationId xmlns:a16="http://schemas.microsoft.com/office/drawing/2014/main" id="{FD6B5BA3-2BDE-4636-BF41-C7764229FC36}"/>
+              </a:ext>
+            </a:extLst>
+          </p:cNvPr>
+          <p:cNvGrpSpPr/>
+          <p:nvPr/>
+        </p:nvGrpSpPr>
+        <p:grpSpPr>
+          <a:xfrm>
+            <a:off x="372862" y="583480"/>
+            <a:ext cx="2459022" cy="2682896"/>
+            <a:chOff x="289249" y="2040461"/>
+            <a:chExt cx="2459022" cy="2682896"/>
+          </a:xfrm>
+        </p:grpSpPr>
+        <p:sp>
+          <p:nvSpPr>
+            <p:cNvPr id="5" name="CuadroTexto 4">
+              <a:extLst>
+                <a:ext uri="{FF2B5EF4-FFF2-40B4-BE49-F238E27FC236}">
+                  <a16:creationId xmlns:a16="http://schemas.microsoft.com/office/drawing/2014/main" id="{127218DF-C521-4CD2-B784-FF1338CF2350}"/>
+                </a:ext>
+              </a:extLst>
+            </p:cNvPr>
+            <p:cNvSpPr txBox="1"/>
+            <p:nvPr/>
+          </p:nvSpPr>
+          <p:spPr>
+            <a:xfrm>
+              <a:off x="430030" y="2040461"/>
+              <a:ext cx="2148396" cy="584775"/>
+            </a:xfrm>
+            <a:prstGeom prst="rect">
+              <a:avLst/>
+            </a:prstGeom>
+            <a:noFill/>
+          </p:spPr>
+          <p:txBody>
+            <a:bodyPr wrap="square" rtlCol="0">
+              <a:spAutoFit/>
+            </a:bodyPr>
+            <a:lstStyle/>
+            <a:p>
+              <a:pPr algn="ctr"/>
+              <a:r>
+                <a:rPr lang="en-US" sz="1600" dirty="0"/>
+                <a:t>1. Import and load the data file</a:t>
+              </a:r>
+            </a:p>
+          </p:txBody>
+        </p:sp>
+        <p:pic>
+          <p:nvPicPr>
+            <p:cNvPr id="1026" name="Picture 2">
+              <a:extLst>
+                <a:ext uri="{FF2B5EF4-FFF2-40B4-BE49-F238E27FC236}">
+                  <a16:creationId xmlns:a16="http://schemas.microsoft.com/office/drawing/2014/main" id="{F8D975F1-8819-4BDD-BF52-F7DC364BB9CC}"/>
+                </a:ext>
+              </a:extLst>
+            </p:cNvPr>
+            <p:cNvPicPr>
+              <a:picLocks noChangeAspect="1" noChangeArrowheads="1"/>
+            </p:cNvPicPr>
+            <p:nvPr/>
+          </p:nvPicPr>
+          <p:blipFill>
+            <a:blip r:embed="rId2">
+              <a:extLst>
+                <a:ext uri="{28A0092B-C50C-407E-A947-70E740481C1C}">
+                  <a14:useLocalDpi xmlns:a14="http://schemas.microsoft.com/office/drawing/2010/main" val="0"/>
+                </a:ext>
+              </a:extLst>
+            </a:blip>
+            <a:srcRect/>
+            <a:stretch>
+              <a:fillRect/>
+            </a:stretch>
+          </p:blipFill>
+          <p:spPr bwMode="auto">
+            <a:xfrm>
+              <a:off x="289249" y="2625236"/>
+              <a:ext cx="2459022" cy="2098121"/>
+            </a:xfrm>
+            <a:prstGeom prst="rect">
+              <a:avLst/>
+            </a:prstGeom>
+            <a:noFill/>
+            <a:extLst>
+              <a:ext uri="{909E8E84-426E-40DD-AFC4-6F175D3DCCD1}">
+                <a14:hiddenFill xmlns:a14="http://schemas.microsoft.com/office/drawing/2010/main">
+                  <a:solidFill>
+                    <a:srgbClr val="FFFFFF"/>
+                  </a:solidFill>
+                </a14:hiddenFill>
+              </a:ext>
+            </a:extLst>
+          </p:spPr>
+        </p:pic>
+      </p:grpSp>
+      <p:grpSp>
+        <p:nvGrpSpPr>
+          <p:cNvPr id="7" name="Grupo 6">
+            <a:extLst>
+              <a:ext uri="{FF2B5EF4-FFF2-40B4-BE49-F238E27FC236}">
+                <a16:creationId xmlns:a16="http://schemas.microsoft.com/office/drawing/2014/main" id="{66120F52-3814-4BC1-817D-D6E8852EBD5A}"/>
+              </a:ext>
+            </a:extLst>
+          </p:cNvPr>
+          <p:cNvGrpSpPr/>
+          <p:nvPr/>
+        </p:nvGrpSpPr>
+        <p:grpSpPr>
+          <a:xfrm>
+            <a:off x="3327739" y="687309"/>
+            <a:ext cx="4192759" cy="3273646"/>
+            <a:chOff x="3584562" y="2040461"/>
+            <a:chExt cx="4192759" cy="3273646"/>
+          </a:xfrm>
+        </p:grpSpPr>
+        <p:grpSp>
+          <p:nvGrpSpPr>
+            <p:cNvPr id="6" name="Grupo 5">
+              <a:extLst>
+                <a:ext uri="{FF2B5EF4-FFF2-40B4-BE49-F238E27FC236}">
+                  <a16:creationId xmlns:a16="http://schemas.microsoft.com/office/drawing/2014/main" id="{C037BD3E-C20B-4A81-8364-F87521A2D9EA}"/>
+                </a:ext>
+              </a:extLst>
+            </p:cNvPr>
+            <p:cNvGrpSpPr/>
+            <p:nvPr/>
+          </p:nvGrpSpPr>
+          <p:grpSpPr>
+            <a:xfrm>
+              <a:off x="3584562" y="2498037"/>
+              <a:ext cx="4192759" cy="2816070"/>
+              <a:chOff x="3584562" y="2498037"/>
+              <a:chExt cx="4192759" cy="2816070"/>
+            </a:xfrm>
+          </p:grpSpPr>
+          <p:pic>
+            <p:nvPicPr>
+              <p:cNvPr id="1028" name="Picture 4">
+                <a:extLst>
+                  <a:ext uri="{FF2B5EF4-FFF2-40B4-BE49-F238E27FC236}">
+                    <a16:creationId xmlns:a16="http://schemas.microsoft.com/office/drawing/2014/main" id="{F280920D-47A8-4354-8BA1-9E358F6F7EF4}"/>
+                  </a:ext>
+                </a:extLst>
+              </p:cNvPr>
+              <p:cNvPicPr>
+                <a:picLocks noChangeAspect="1" noChangeArrowheads="1"/>
+              </p:cNvPicPr>
+              <p:nvPr/>
+            </p:nvPicPr>
+            <p:blipFill>
+              <a:blip r:embed="rId3">
+                <a:extLst>
+                  <a:ext uri="{28A0092B-C50C-407E-A947-70E740481C1C}">
+                    <a14:useLocalDpi xmlns:a14="http://schemas.microsoft.com/office/drawing/2010/main" val="0"/>
+                  </a:ext>
+                </a:extLst>
+              </a:blip>
+              <a:srcRect/>
+              <a:stretch>
+                <a:fillRect/>
+              </a:stretch>
+            </p:blipFill>
+            <p:spPr bwMode="auto">
+              <a:xfrm>
+                <a:off x="3584562" y="2498037"/>
+                <a:ext cx="3561962" cy="1789544"/>
+              </a:xfrm>
+              <a:prstGeom prst="rect">
+                <a:avLst/>
+              </a:prstGeom>
+              <a:noFill/>
+              <a:extLst>
+                <a:ext uri="{909E8E84-426E-40DD-AFC4-6F175D3DCCD1}">
+                  <a14:hiddenFill xmlns:a14="http://schemas.microsoft.com/office/drawing/2010/main">
+                    <a:solidFill>
+                      <a:srgbClr val="FFFFFF"/>
+                    </a:solidFill>
+                  </a14:hiddenFill>
+                </a:ext>
+              </a:extLst>
+            </p:spPr>
+          </p:pic>
+          <p:pic>
+            <p:nvPicPr>
+              <p:cNvPr id="1030" name="Picture 6">
+                <a:extLst>
+                  <a:ext uri="{FF2B5EF4-FFF2-40B4-BE49-F238E27FC236}">
+                    <a16:creationId xmlns:a16="http://schemas.microsoft.com/office/drawing/2014/main" id="{57F5D4A3-D768-4B19-B770-EEDEC717642F}"/>
+                  </a:ext>
+                </a:extLst>
+              </p:cNvPr>
+              <p:cNvPicPr>
+                <a:picLocks noChangeAspect="1" noChangeArrowheads="1"/>
+              </p:cNvPicPr>
+              <p:nvPr/>
+            </p:nvPicPr>
+            <p:blipFill>
+              <a:blip r:embed="rId4">
+                <a:extLst>
+                  <a:ext uri="{28A0092B-C50C-407E-A947-70E740481C1C}">
+                    <a14:useLocalDpi xmlns:a14="http://schemas.microsoft.com/office/drawing/2010/main" val="0"/>
+                  </a:ext>
+                </a:extLst>
+              </a:blip>
+              <a:srcRect/>
+              <a:stretch>
+                <a:fillRect/>
+              </a:stretch>
+            </p:blipFill>
+            <p:spPr bwMode="auto">
+              <a:xfrm>
+                <a:off x="3584562" y="4287581"/>
+                <a:ext cx="4192759" cy="1026526"/>
+              </a:xfrm>
+              <a:prstGeom prst="rect">
+                <a:avLst/>
+              </a:prstGeom>
+              <a:noFill/>
+              <a:extLst>
+                <a:ext uri="{909E8E84-426E-40DD-AFC4-6F175D3DCCD1}">
+                  <a14:hiddenFill xmlns:a14="http://schemas.microsoft.com/office/drawing/2010/main">
+                    <a:solidFill>
+                      <a:srgbClr val="FFFFFF"/>
+                    </a:solidFill>
+                  </a14:hiddenFill>
+                </a:ext>
+              </a:extLst>
+            </p:spPr>
+          </p:pic>
+        </p:grpSp>
+        <p:sp>
+          <p:nvSpPr>
+            <p:cNvPr id="10" name="CuadroTexto 9">
+              <a:extLst>
+                <a:ext uri="{FF2B5EF4-FFF2-40B4-BE49-F238E27FC236}">
+                  <a16:creationId xmlns:a16="http://schemas.microsoft.com/office/drawing/2014/main" id="{D16E6F89-AC75-4415-95E6-C54F512C2D8E}"/>
+                </a:ext>
+              </a:extLst>
+            </p:cNvPr>
+            <p:cNvSpPr txBox="1"/>
+            <p:nvPr/>
+          </p:nvSpPr>
+          <p:spPr>
+            <a:xfrm>
+              <a:off x="4559304" y="2040461"/>
+              <a:ext cx="2083476" cy="369332"/>
+            </a:xfrm>
+            <a:prstGeom prst="rect">
+              <a:avLst/>
+            </a:prstGeom>
+            <a:noFill/>
+          </p:spPr>
+          <p:txBody>
+            <a:bodyPr wrap="square" rtlCol="0">
+              <a:spAutoFit/>
+            </a:bodyPr>
+            <a:lstStyle/>
+            <a:p>
+              <a:r>
+                <a:rPr lang="en-US" dirty="0"/>
+                <a:t>2. Preprocess data</a:t>
+              </a:r>
+            </a:p>
+          </p:txBody>
+        </p:sp>
+      </p:grpSp>
+      <p:sp>
+        <p:nvSpPr>
+          <p:cNvPr id="12" name="CuadroTexto 11">
+            <a:extLst>
+              <a:ext uri="{FF2B5EF4-FFF2-40B4-BE49-F238E27FC236}">
+                <a16:creationId xmlns:a16="http://schemas.microsoft.com/office/drawing/2014/main" id="{9202FF4C-F49D-476E-A5E1-681B912AC686}"/>
+              </a:ext>
+            </a:extLst>
+          </p:cNvPr>
+          <p:cNvSpPr txBox="1"/>
+          <p:nvPr/>
+        </p:nvSpPr>
+        <p:spPr>
+          <a:xfrm>
+            <a:off x="316589" y="5393068"/>
+            <a:ext cx="1907937" cy="369332"/>
+          </a:xfrm>
+          <a:prstGeom prst="rect">
+            <a:avLst/>
+          </a:prstGeom>
+          <a:noFill/>
+        </p:spPr>
+        <p:txBody>
+          <a:bodyPr wrap="square" rtlCol="0">
+            <a:spAutoFit/>
+          </a:bodyPr>
+          <a:lstStyle/>
+          <a:p>
+            <a:r>
+              <a:rPr lang="en-US" dirty="0"/>
+              <a:t>4. Build the model</a:t>
+            </a:r>
+          </a:p>
+        </p:txBody>
+      </p:sp>
+      <p:grpSp>
+        <p:nvGrpSpPr>
+          <p:cNvPr id="9" name="Grupo 8">
+            <a:extLst>
+              <a:ext uri="{FF2B5EF4-FFF2-40B4-BE49-F238E27FC236}">
+                <a16:creationId xmlns:a16="http://schemas.microsoft.com/office/drawing/2014/main" id="{3F6068B8-7416-4AB5-ABED-4E383FF9DD57}"/>
+              </a:ext>
+            </a:extLst>
+          </p:cNvPr>
+          <p:cNvGrpSpPr/>
+          <p:nvPr/>
+        </p:nvGrpSpPr>
+        <p:grpSpPr>
+          <a:xfrm>
+            <a:off x="7690343" y="214148"/>
+            <a:ext cx="4360876" cy="3746807"/>
+            <a:chOff x="7186013" y="3352055"/>
+            <a:chExt cx="4360876" cy="3746807"/>
+          </a:xfrm>
+        </p:grpSpPr>
+        <p:sp>
+          <p:nvSpPr>
+            <p:cNvPr id="11" name="CuadroTexto 10">
+              <a:extLst>
+                <a:ext uri="{FF2B5EF4-FFF2-40B4-BE49-F238E27FC236}">
+                  <a16:creationId xmlns:a16="http://schemas.microsoft.com/office/drawing/2014/main" id="{989F5DF7-1ED6-4779-8209-137B3B3F2C4F}"/>
+                </a:ext>
+              </a:extLst>
+            </p:cNvPr>
+            <p:cNvSpPr txBox="1"/>
+            <p:nvPr/>
+          </p:nvSpPr>
+          <p:spPr>
+            <a:xfrm>
+              <a:off x="7685612" y="3352055"/>
+              <a:ext cx="3361678" cy="369332"/>
+            </a:xfrm>
+            <a:prstGeom prst="rect">
+              <a:avLst/>
+            </a:prstGeom>
+            <a:noFill/>
+          </p:spPr>
+          <p:txBody>
+            <a:bodyPr wrap="square" rtlCol="0">
+              <a:spAutoFit/>
+            </a:bodyPr>
+            <a:lstStyle/>
+            <a:p>
+              <a:r>
+                <a:rPr lang="en-US" dirty="0"/>
+                <a:t>3. Create training and testing data</a:t>
+              </a:r>
+            </a:p>
+          </p:txBody>
+        </p:sp>
+        <p:pic>
+          <p:nvPicPr>
+            <p:cNvPr id="1032" name="Picture 8">
+              <a:extLst>
+                <a:ext uri="{FF2B5EF4-FFF2-40B4-BE49-F238E27FC236}">
+                  <a16:creationId xmlns:a16="http://schemas.microsoft.com/office/drawing/2014/main" id="{60890D70-E23D-401C-A21A-2BC57C4A8157}"/>
+                </a:ext>
+              </a:extLst>
+            </p:cNvPr>
+            <p:cNvPicPr>
+              <a:picLocks noChangeAspect="1" noChangeArrowheads="1"/>
+            </p:cNvPicPr>
+            <p:nvPr/>
+          </p:nvPicPr>
+          <p:blipFill>
+            <a:blip r:embed="rId5">
+              <a:extLst>
+                <a:ext uri="{28A0092B-C50C-407E-A947-70E740481C1C}">
+                  <a14:useLocalDpi xmlns:a14="http://schemas.microsoft.com/office/drawing/2010/main" val="0"/>
+                </a:ext>
+              </a:extLst>
+            </a:blip>
+            <a:srcRect/>
+            <a:stretch>
+              <a:fillRect/>
+            </a:stretch>
+          </p:blipFill>
+          <p:spPr bwMode="auto">
+            <a:xfrm>
+              <a:off x="7186013" y="3721387"/>
+              <a:ext cx="4360876" cy="3377475"/>
+            </a:xfrm>
+            <a:prstGeom prst="rect">
+              <a:avLst/>
+            </a:prstGeom>
+            <a:noFill/>
+            <a:extLst>
+              <a:ext uri="{909E8E84-426E-40DD-AFC4-6F175D3DCCD1}">
+                <a14:hiddenFill xmlns:a14="http://schemas.microsoft.com/office/drawing/2010/main">
+                  <a:solidFill>
+                    <a:srgbClr val="FFFFFF"/>
+                  </a:solidFill>
+                </a14:hiddenFill>
+              </a:ext>
+            </a:extLst>
+          </p:spPr>
+        </p:pic>
+      </p:grpSp>
+      <p:pic>
+        <p:nvPicPr>
+          <p:cNvPr id="1034" name="Picture 10">
+            <a:extLst>
+              <a:ext uri="{FF2B5EF4-FFF2-40B4-BE49-F238E27FC236}">
+                <a16:creationId xmlns:a16="http://schemas.microsoft.com/office/drawing/2014/main" id="{36A1D3D6-7448-4757-B273-AF660EF99681}"/>
+              </a:ext>
+            </a:extLst>
+          </p:cNvPr>
+          <p:cNvPicPr>
+            <a:picLocks noChangeAspect="1" noChangeArrowheads="1"/>
+          </p:cNvPicPr>
+          <p:nvPr/>
+        </p:nvPicPr>
+        <p:blipFill>
+          <a:blip r:embed="rId6">
+            <a:extLst>
+              <a:ext uri="{28A0092B-C50C-407E-A947-70E740481C1C}">
+                <a14:useLocalDpi xmlns:a14="http://schemas.microsoft.com/office/drawing/2010/main" val="0"/>
+              </a:ext>
+            </a:extLst>
+          </a:blip>
+          <a:srcRect/>
+          <a:stretch>
+            <a:fillRect/>
+          </a:stretch>
+        </p:blipFill>
+        <p:spPr bwMode="auto">
+          <a:xfrm>
+            <a:off x="2224526" y="4297468"/>
+            <a:ext cx="5346634" cy="2560532"/>
+          </a:xfrm>
+          <a:prstGeom prst="rect">
+            <a:avLst/>
+          </a:prstGeom>
+          <a:noFill/>
+          <a:extLst>
+            <a:ext uri="{909E8E84-426E-40DD-AFC4-6F175D3DCCD1}">
+              <a14:hiddenFill xmlns:a14="http://schemas.microsoft.com/office/drawing/2010/main">
+                <a:solidFill>
+                  <a:srgbClr val="FFFFFF"/>
+                </a:solidFill>
+              </a14:hiddenFill>
+            </a:ext>
+          </a:extLst>
+        </p:spPr>
+      </p:pic>
+      <p:sp>
+        <p:nvSpPr>
+          <p:cNvPr id="18" name="CuadroTexto 17">
+            <a:extLst>
+              <a:ext uri="{FF2B5EF4-FFF2-40B4-BE49-F238E27FC236}">
+                <a16:creationId xmlns:a16="http://schemas.microsoft.com/office/drawing/2014/main" id="{3B2007A3-82D7-4347-A1B8-F044B7016F8B}"/>
+              </a:ext>
+            </a:extLst>
+          </p:cNvPr>
+          <p:cNvSpPr txBox="1"/>
+          <p:nvPr/>
+        </p:nvSpPr>
+        <p:spPr>
+          <a:xfrm>
+            <a:off x="7690343" y="4608238"/>
+            <a:ext cx="4480059" cy="1569660"/>
+          </a:xfrm>
+          <a:prstGeom prst="rect">
+            <a:avLst/>
+          </a:prstGeom>
+          <a:noFill/>
+        </p:spPr>
+        <p:txBody>
+          <a:bodyPr wrap="square" rtlCol="0">
+            <a:spAutoFit/>
+          </a:bodyPr>
+          <a:lstStyle/>
+          <a:p>
+            <a:r>
+              <a:rPr lang="en-US" sz="1600" dirty="0"/>
+              <a:t>X for patterns</a:t>
+            </a:r>
+          </a:p>
+          <a:p>
+            <a:r>
+              <a:rPr lang="en-US" sz="1600" dirty="0"/>
+              <a:t>Y for intents</a:t>
+            </a:r>
+          </a:p>
+          <a:p>
+            <a:r>
+              <a:rPr lang="en-US" sz="1600" dirty="0"/>
+              <a:t>3-layer neural network</a:t>
+            </a:r>
+          </a:p>
+          <a:p>
+            <a:pPr marL="800100" lvl="1" indent="-342900">
+              <a:buFont typeface="+mj-lt"/>
+              <a:buAutoNum type="arabicPeriod"/>
+            </a:pPr>
+            <a:r>
+              <a:rPr lang="en-US" sz="1600" dirty="0"/>
+              <a:t>128 neurons – activation </a:t>
+            </a:r>
+            <a:r>
+              <a:rPr lang="en-US" sz="1600" dirty="0" err="1"/>
+              <a:t>ReLU</a:t>
+            </a:r>
+            <a:endParaRPr lang="en-US" sz="1600" dirty="0"/>
+          </a:p>
+          <a:p>
+            <a:pPr marL="800100" lvl="1" indent="-342900">
+              <a:buFont typeface="+mj-lt"/>
+              <a:buAutoNum type="arabicPeriod"/>
+            </a:pPr>
+            <a:r>
+              <a:rPr lang="en-US" sz="1600" dirty="0"/>
+              <a:t>64 neurons – activation </a:t>
+            </a:r>
+            <a:r>
+              <a:rPr lang="en-US" sz="1600" dirty="0" err="1"/>
+              <a:t>ReLU</a:t>
+            </a:r>
+            <a:endParaRPr lang="en-US" sz="1600" dirty="0"/>
+          </a:p>
+          <a:p>
+            <a:pPr marL="800100" lvl="1" indent="-342900">
+              <a:buFont typeface="+mj-lt"/>
+              <a:buAutoNum type="arabicPeriod"/>
+            </a:pPr>
+            <a:r>
+              <a:rPr lang="en-US" sz="1600" dirty="0"/>
+              <a:t>Length of Y neurons – activation </a:t>
+            </a:r>
+            <a:r>
+              <a:rPr lang="en-US" sz="1600" dirty="0" err="1"/>
+              <a:t>softmax</a:t>
+            </a:r>
+            <a:r>
+              <a:rPr lang="en-US" sz="1600" dirty="0"/>
+              <a:t> </a:t>
+            </a:r>
+          </a:p>
+        </p:txBody>
+      </p:sp>
+    </p:spTree>
+    <p:extLst>
+      <p:ext uri="{BB962C8B-B14F-4D97-AF65-F5344CB8AC3E}">
+        <p14:creationId xmlns:p14="http://schemas.microsoft.com/office/powerpoint/2010/main" val="2609368487"/>
+      </p:ext>
+    </p:extLst>
+  </p:cSld>
+  <p:clrMapOvr>
+    <a:masterClrMapping/>
+  </p:clrMapOvr>
+</p:sld>
+</file>
+
+<file path=ppt/slides/slide5.xml><?xml version="1.0" encoding="utf-8"?>
+<p:sld xmlns:a="http://schemas.openxmlformats.org/drawingml/2006/main" xmlns:r="http://schemas.openxmlformats.org/officeDocument/2006/relationships" xmlns:p="http://schemas.openxmlformats.org/presentationml/2006/main">
+  <p:cSld>
+    <p:spTree>
+      <p:nvGrpSpPr>
+        <p:cNvPr id="1" name=""/>
+        <p:cNvGrpSpPr/>
+        <p:nvPr/>
+      </p:nvGrpSpPr>
+      <p:grpSpPr>
+        <a:xfrm>
+          <a:off x="0" y="0"/>
+          <a:ext cx="0" cy="0"/>
+          <a:chOff x="0" y="0"/>
+          <a:chExt cx="0" cy="0"/>
+        </a:xfrm>
+      </p:grpSpPr>
+      <p:sp>
+        <p:nvSpPr>
+          <p:cNvPr id="4" name="CuadroTexto 3">
+            <a:extLst>
+              <a:ext uri="{FF2B5EF4-FFF2-40B4-BE49-F238E27FC236}">
+                <a16:creationId xmlns:a16="http://schemas.microsoft.com/office/drawing/2014/main" id="{8BB3BE8D-25DE-4E87-A122-AFD15DF06E1B}"/>
+              </a:ext>
+            </a:extLst>
+          </p:cNvPr>
+          <p:cNvSpPr txBox="1"/>
+          <p:nvPr/>
+        </p:nvSpPr>
+        <p:spPr>
+          <a:xfrm>
+            <a:off x="4915598" y="71022"/>
+            <a:ext cx="2136611" cy="369332"/>
+          </a:xfrm>
+          <a:prstGeom prst="rect">
+            <a:avLst/>
+          </a:prstGeom>
+          <a:noFill/>
+        </p:spPr>
+        <p:txBody>
+          <a:bodyPr wrap="none" rtlCol="0">
+            <a:spAutoFit/>
+          </a:bodyPr>
+          <a:lstStyle/>
+          <a:p>
+            <a:r>
+              <a:rPr lang="en-US" b="1" dirty="0">
+                <a:solidFill>
+                  <a:srgbClr val="FF0000"/>
+                </a:solidFill>
+              </a:rPr>
+              <a:t>Running the chatbot</a:t>
+            </a:r>
+          </a:p>
+        </p:txBody>
+      </p:sp>
+      <p:grpSp>
+        <p:nvGrpSpPr>
+          <p:cNvPr id="9" name="Grupo 8">
+            <a:extLst>
+              <a:ext uri="{FF2B5EF4-FFF2-40B4-BE49-F238E27FC236}">
+                <a16:creationId xmlns:a16="http://schemas.microsoft.com/office/drawing/2014/main" id="{3673ED60-2583-42F4-BEA7-9AC8AB97E5FE}"/>
+              </a:ext>
+            </a:extLst>
+          </p:cNvPr>
+          <p:cNvGrpSpPr/>
+          <p:nvPr/>
+        </p:nvGrpSpPr>
+        <p:grpSpPr>
+          <a:xfrm>
+            <a:off x="144172" y="71022"/>
+            <a:ext cx="2865306" cy="2578599"/>
+            <a:chOff x="161979" y="1142104"/>
+            <a:chExt cx="2865306" cy="2578599"/>
+          </a:xfrm>
+        </p:grpSpPr>
+        <p:sp>
+          <p:nvSpPr>
+            <p:cNvPr id="5" name="CuadroTexto 4">
+              <a:extLst>
+                <a:ext uri="{FF2B5EF4-FFF2-40B4-BE49-F238E27FC236}">
+                  <a16:creationId xmlns:a16="http://schemas.microsoft.com/office/drawing/2014/main" id="{98D18A55-E145-4D50-B9F8-EB006D6AEB8A}"/>
+                </a:ext>
+              </a:extLst>
+            </p:cNvPr>
+            <p:cNvSpPr txBox="1"/>
+            <p:nvPr/>
+          </p:nvSpPr>
+          <p:spPr>
+            <a:xfrm>
+              <a:off x="471563" y="1142104"/>
+              <a:ext cx="2148396" cy="584775"/>
+            </a:xfrm>
+            <a:prstGeom prst="rect">
+              <a:avLst/>
+            </a:prstGeom>
+            <a:noFill/>
+          </p:spPr>
+          <p:txBody>
+            <a:bodyPr wrap="square" rtlCol="0">
+              <a:spAutoFit/>
+            </a:bodyPr>
+            <a:lstStyle/>
+            <a:p>
+              <a:pPr algn="ctr"/>
+              <a:r>
+                <a:rPr lang="en-US" sz="1600" dirty="0"/>
+                <a:t>1. Load necessary packages</a:t>
+              </a:r>
+            </a:p>
+          </p:txBody>
+        </p:sp>
+        <p:pic>
+          <p:nvPicPr>
+            <p:cNvPr id="2054" name="Picture 6">
+              <a:extLst>
+                <a:ext uri="{FF2B5EF4-FFF2-40B4-BE49-F238E27FC236}">
+                  <a16:creationId xmlns:a16="http://schemas.microsoft.com/office/drawing/2014/main" id="{B14A4653-3D9E-4520-A08A-2B4C40EA9B04}"/>
+                </a:ext>
+              </a:extLst>
+            </p:cNvPr>
+            <p:cNvPicPr>
+              <a:picLocks noChangeAspect="1" noChangeArrowheads="1"/>
+            </p:cNvPicPr>
+            <p:nvPr/>
+          </p:nvPicPr>
+          <p:blipFill>
+            <a:blip r:embed="rId2">
+              <a:extLst>
+                <a:ext uri="{28A0092B-C50C-407E-A947-70E740481C1C}">
+                  <a14:useLocalDpi xmlns:a14="http://schemas.microsoft.com/office/drawing/2010/main" val="0"/>
+                </a:ext>
+              </a:extLst>
+            </a:blip>
+            <a:srcRect/>
+            <a:stretch>
+              <a:fillRect/>
+            </a:stretch>
+          </p:blipFill>
+          <p:spPr bwMode="auto">
+            <a:xfrm>
+              <a:off x="161979" y="1692037"/>
+              <a:ext cx="2865306" cy="2028666"/>
+            </a:xfrm>
+            <a:prstGeom prst="rect">
+              <a:avLst/>
+            </a:prstGeom>
+            <a:noFill/>
+            <a:extLst>
+              <a:ext uri="{909E8E84-426E-40DD-AFC4-6F175D3DCCD1}">
+                <a14:hiddenFill xmlns:a14="http://schemas.microsoft.com/office/drawing/2010/main">
+                  <a:solidFill>
+                    <a:srgbClr val="FFFFFF"/>
+                  </a:solidFill>
+                </a14:hiddenFill>
+              </a:ext>
+            </a:extLst>
+          </p:spPr>
+        </p:pic>
+      </p:grpSp>
+      <p:grpSp>
+        <p:nvGrpSpPr>
+          <p:cNvPr id="11" name="Grupo 10">
+            <a:extLst>
+              <a:ext uri="{FF2B5EF4-FFF2-40B4-BE49-F238E27FC236}">
+                <a16:creationId xmlns:a16="http://schemas.microsoft.com/office/drawing/2014/main" id="{C1351A35-E7C1-49F5-AEEF-B164A7ED5315}"/>
+              </a:ext>
+            </a:extLst>
+          </p:cNvPr>
+          <p:cNvGrpSpPr/>
+          <p:nvPr/>
+        </p:nvGrpSpPr>
+        <p:grpSpPr>
+          <a:xfrm>
+            <a:off x="1527954" y="2731501"/>
+            <a:ext cx="4293807" cy="4126499"/>
+            <a:chOff x="3171510" y="2625928"/>
+            <a:chExt cx="4293807" cy="4126499"/>
+          </a:xfrm>
+        </p:grpSpPr>
+        <p:sp>
+          <p:nvSpPr>
+            <p:cNvPr id="8" name="CuadroTexto 7">
+              <a:extLst>
+                <a:ext uri="{FF2B5EF4-FFF2-40B4-BE49-F238E27FC236}">
+                  <a16:creationId xmlns:a16="http://schemas.microsoft.com/office/drawing/2014/main" id="{F0030F45-B963-4F97-8CFA-959BBEA9FB98}"/>
+                </a:ext>
+              </a:extLst>
+            </p:cNvPr>
+            <p:cNvSpPr txBox="1"/>
+            <p:nvPr/>
+          </p:nvSpPr>
+          <p:spPr>
+            <a:xfrm>
+              <a:off x="4133027" y="2625928"/>
+              <a:ext cx="2370772" cy="338554"/>
+            </a:xfrm>
+            <a:prstGeom prst="rect">
+              <a:avLst/>
+            </a:prstGeom>
+            <a:noFill/>
+          </p:spPr>
+          <p:txBody>
+            <a:bodyPr wrap="square" rtlCol="0">
+              <a:spAutoFit/>
+            </a:bodyPr>
+            <a:lstStyle/>
+            <a:p>
+              <a:pPr algn="ctr"/>
+              <a:r>
+                <a:rPr lang="en-US" sz="1600" dirty="0"/>
+                <a:t>2. Predict class functions</a:t>
+              </a:r>
+            </a:p>
+          </p:txBody>
+        </p:sp>
+        <p:pic>
+          <p:nvPicPr>
+            <p:cNvPr id="2056" name="Picture 8">
+              <a:extLst>
+                <a:ext uri="{FF2B5EF4-FFF2-40B4-BE49-F238E27FC236}">
+                  <a16:creationId xmlns:a16="http://schemas.microsoft.com/office/drawing/2014/main" id="{ADB7118C-A1DA-4B43-A5BC-DD68FA825DB8}"/>
+                </a:ext>
+              </a:extLst>
+            </p:cNvPr>
+            <p:cNvPicPr>
+              <a:picLocks noChangeAspect="1" noChangeArrowheads="1"/>
+            </p:cNvPicPr>
+            <p:nvPr/>
+          </p:nvPicPr>
+          <p:blipFill>
+            <a:blip r:embed="rId3">
+              <a:extLst>
+                <a:ext uri="{28A0092B-C50C-407E-A947-70E740481C1C}">
+                  <a14:useLocalDpi xmlns:a14="http://schemas.microsoft.com/office/drawing/2010/main" val="0"/>
+                </a:ext>
+              </a:extLst>
+            </a:blip>
+            <a:srcRect/>
+            <a:stretch>
+              <a:fillRect/>
+            </a:stretch>
+          </p:blipFill>
+          <p:spPr bwMode="auto">
+            <a:xfrm>
+              <a:off x="3171510" y="2964482"/>
+              <a:ext cx="4293807" cy="3787945"/>
+            </a:xfrm>
+            <a:prstGeom prst="rect">
+              <a:avLst/>
+            </a:prstGeom>
+            <a:noFill/>
+            <a:extLst>
+              <a:ext uri="{909E8E84-426E-40DD-AFC4-6F175D3DCCD1}">
+                <a14:hiddenFill xmlns:a14="http://schemas.microsoft.com/office/drawing/2010/main">
+                  <a:solidFill>
+                    <a:srgbClr val="FFFFFF"/>
+                  </a:solidFill>
+                </a14:hiddenFill>
+              </a:ext>
+            </a:extLst>
+          </p:spPr>
+        </p:pic>
+      </p:grpSp>
+      <p:grpSp>
+        <p:nvGrpSpPr>
+          <p:cNvPr id="12" name="Grupo 11">
+            <a:extLst>
+              <a:ext uri="{FF2B5EF4-FFF2-40B4-BE49-F238E27FC236}">
+                <a16:creationId xmlns:a16="http://schemas.microsoft.com/office/drawing/2014/main" id="{D2C5CD01-7B63-455F-8DC7-5E9CCA27817A}"/>
+              </a:ext>
+            </a:extLst>
+          </p:cNvPr>
+          <p:cNvGrpSpPr/>
+          <p:nvPr/>
+        </p:nvGrpSpPr>
+        <p:grpSpPr>
+          <a:xfrm>
+            <a:off x="5638373" y="474276"/>
+            <a:ext cx="3522992" cy="1847538"/>
+            <a:chOff x="8382219" y="218158"/>
+            <a:chExt cx="3522992" cy="1847538"/>
+          </a:xfrm>
+        </p:grpSpPr>
+        <p:sp>
+          <p:nvSpPr>
+            <p:cNvPr id="10" name="CuadroTexto 9">
+              <a:extLst>
+                <a:ext uri="{FF2B5EF4-FFF2-40B4-BE49-F238E27FC236}">
+                  <a16:creationId xmlns:a16="http://schemas.microsoft.com/office/drawing/2014/main" id="{1C71EDAB-DBD1-4BFD-86AF-5EE4301AA321}"/>
+                </a:ext>
+              </a:extLst>
+            </p:cNvPr>
+            <p:cNvSpPr txBox="1"/>
+            <p:nvPr/>
+          </p:nvSpPr>
+          <p:spPr>
+            <a:xfrm>
+              <a:off x="8958329" y="218158"/>
+              <a:ext cx="2370772" cy="338554"/>
+            </a:xfrm>
+            <a:prstGeom prst="rect">
+              <a:avLst/>
+            </a:prstGeom>
+            <a:noFill/>
+          </p:spPr>
+          <p:txBody>
+            <a:bodyPr wrap="square" rtlCol="0">
+              <a:spAutoFit/>
+            </a:bodyPr>
+            <a:lstStyle/>
+            <a:p>
+              <a:pPr algn="ctr"/>
+              <a:r>
+                <a:rPr lang="en-US" sz="1600" dirty="0"/>
+                <a:t>3. Get a random response</a:t>
+              </a:r>
+            </a:p>
+          </p:txBody>
+        </p:sp>
+        <p:pic>
+          <p:nvPicPr>
+            <p:cNvPr id="2058" name="Picture 10">
+              <a:extLst>
+                <a:ext uri="{FF2B5EF4-FFF2-40B4-BE49-F238E27FC236}">
+                  <a16:creationId xmlns:a16="http://schemas.microsoft.com/office/drawing/2014/main" id="{970139DC-0325-4B29-8DF3-0B719B7873E5}"/>
+                </a:ext>
+              </a:extLst>
+            </p:cNvPr>
+            <p:cNvPicPr>
+              <a:picLocks noChangeAspect="1" noChangeArrowheads="1"/>
+            </p:cNvPicPr>
+            <p:nvPr/>
+          </p:nvPicPr>
+          <p:blipFill>
+            <a:blip r:embed="rId4">
+              <a:extLst>
+                <a:ext uri="{28A0092B-C50C-407E-A947-70E740481C1C}">
+                  <a14:useLocalDpi xmlns:a14="http://schemas.microsoft.com/office/drawing/2010/main" val="0"/>
+                </a:ext>
+              </a:extLst>
+            </a:blip>
+            <a:srcRect/>
+            <a:stretch>
+              <a:fillRect/>
+            </a:stretch>
+          </p:blipFill>
+          <p:spPr bwMode="auto">
+            <a:xfrm>
+              <a:off x="8382219" y="556712"/>
+              <a:ext cx="3522992" cy="1508984"/>
+            </a:xfrm>
+            <a:prstGeom prst="rect">
+              <a:avLst/>
+            </a:prstGeom>
+            <a:noFill/>
+            <a:extLst>
+              <a:ext uri="{909E8E84-426E-40DD-AFC4-6F175D3DCCD1}">
+                <a14:hiddenFill xmlns:a14="http://schemas.microsoft.com/office/drawing/2010/main">
+                  <a:solidFill>
+                    <a:srgbClr val="FFFFFF"/>
+                  </a:solidFill>
+                </a14:hiddenFill>
+              </a:ext>
+            </a:extLst>
+          </p:spPr>
+        </p:pic>
+      </p:grpSp>
+      <p:grpSp>
+        <p:nvGrpSpPr>
+          <p:cNvPr id="15" name="Grupo 14">
+            <a:extLst>
+              <a:ext uri="{FF2B5EF4-FFF2-40B4-BE49-F238E27FC236}">
+                <a16:creationId xmlns:a16="http://schemas.microsoft.com/office/drawing/2014/main" id="{7ECCC0FD-3451-4B54-A8AF-510BF40662DB}"/>
+              </a:ext>
+            </a:extLst>
+          </p:cNvPr>
+          <p:cNvGrpSpPr/>
+          <p:nvPr/>
+        </p:nvGrpSpPr>
+        <p:grpSpPr>
+          <a:xfrm>
+            <a:off x="6783278" y="2900778"/>
+            <a:ext cx="5404284" cy="3645486"/>
+            <a:chOff x="6783278" y="2900778"/>
+            <a:chExt cx="5404284" cy="3645486"/>
+          </a:xfrm>
+        </p:grpSpPr>
+        <p:grpSp>
+          <p:nvGrpSpPr>
+            <p:cNvPr id="6" name="Grupo 5">
+              <a:extLst>
+                <a:ext uri="{FF2B5EF4-FFF2-40B4-BE49-F238E27FC236}">
+                  <a16:creationId xmlns:a16="http://schemas.microsoft.com/office/drawing/2014/main" id="{84CA45AB-3AFE-4F3B-95B7-529B38F3EF2F}"/>
+                </a:ext>
+              </a:extLst>
+            </p:cNvPr>
+            <p:cNvGrpSpPr/>
+            <p:nvPr/>
+          </p:nvGrpSpPr>
+          <p:grpSpPr>
+            <a:xfrm>
+              <a:off x="6783278" y="2900778"/>
+              <a:ext cx="3813490" cy="3645486"/>
+              <a:chOff x="9503897" y="1179763"/>
+              <a:chExt cx="3813490" cy="3645486"/>
+            </a:xfrm>
+          </p:grpSpPr>
+          <p:pic>
+            <p:nvPicPr>
+              <p:cNvPr id="2050" name="Picture 2">
+                <a:extLst>
+                  <a:ext uri="{FF2B5EF4-FFF2-40B4-BE49-F238E27FC236}">
+                    <a16:creationId xmlns:a16="http://schemas.microsoft.com/office/drawing/2014/main" id="{3A5185F6-5F97-46F7-86F4-56CB774324BF}"/>
+                  </a:ext>
+                </a:extLst>
+              </p:cNvPr>
+              <p:cNvPicPr>
+                <a:picLocks noChangeAspect="1" noChangeArrowheads="1"/>
+              </p:cNvPicPr>
+              <p:nvPr/>
+            </p:nvPicPr>
+            <p:blipFill>
+              <a:blip r:embed="rId5">
+                <a:extLst>
+                  <a:ext uri="{28A0092B-C50C-407E-A947-70E740481C1C}">
+                    <a14:useLocalDpi xmlns:a14="http://schemas.microsoft.com/office/drawing/2010/main" val="0"/>
+                  </a:ext>
+                </a:extLst>
+              </a:blip>
+              <a:srcRect/>
+              <a:stretch>
+                <a:fillRect/>
+              </a:stretch>
+            </p:blipFill>
+            <p:spPr bwMode="auto">
+              <a:xfrm>
+                <a:off x="9503897" y="1518317"/>
+                <a:ext cx="2472355" cy="3306932"/>
+              </a:xfrm>
+              <a:prstGeom prst="rect">
+                <a:avLst/>
+              </a:prstGeom>
+              <a:noFill/>
+              <a:extLst>
+                <a:ext uri="{909E8E84-426E-40DD-AFC4-6F175D3DCCD1}">
+                  <a14:hiddenFill xmlns:a14="http://schemas.microsoft.com/office/drawing/2010/main">
+                    <a:solidFill>
+                      <a:srgbClr val="FFFFFF"/>
+                    </a:solidFill>
+                  </a14:hiddenFill>
+                </a:ext>
+              </a:extLst>
+            </p:spPr>
+          </p:pic>
+          <p:sp>
+            <p:nvSpPr>
+              <p:cNvPr id="7" name="CuadroTexto 6">
+                <a:extLst>
+                  <a:ext uri="{FF2B5EF4-FFF2-40B4-BE49-F238E27FC236}">
+                    <a16:creationId xmlns:a16="http://schemas.microsoft.com/office/drawing/2014/main" id="{CF3EF1E9-0102-462A-B0DE-DF7C4783A76B}"/>
+                  </a:ext>
+                </a:extLst>
+              </p:cNvPr>
+              <p:cNvSpPr txBox="1"/>
+              <p:nvPr/>
+            </p:nvSpPr>
+            <p:spPr>
+              <a:xfrm>
+                <a:off x="11168991" y="1179763"/>
+                <a:ext cx="2148396" cy="338554"/>
+              </a:xfrm>
+              <a:prstGeom prst="rect">
+                <a:avLst/>
+              </a:prstGeom>
+              <a:noFill/>
+            </p:spPr>
+            <p:txBody>
+              <a:bodyPr wrap="square" rtlCol="0">
+                <a:spAutoFit/>
+              </a:bodyPr>
+              <a:lstStyle/>
+              <a:p>
+                <a:pPr algn="ctr"/>
+                <a:r>
+                  <a:rPr lang="en-US" sz="1600" dirty="0"/>
+                  <a:t>4. </a:t>
+                </a:r>
+                <a:r>
+                  <a:rPr lang="en-US" sz="1600" dirty="0" err="1"/>
+                  <a:t>Tkinter</a:t>
+                </a:r>
+                <a:r>
+                  <a:rPr lang="en-US" sz="1600" dirty="0"/>
+                  <a:t> GUI</a:t>
+                </a:r>
+              </a:p>
+            </p:txBody>
+          </p:sp>
+        </p:grpSp>
+        <p:pic>
+          <p:nvPicPr>
+            <p:cNvPr id="14" name="Imagen 13">
+              <a:extLst>
+                <a:ext uri="{FF2B5EF4-FFF2-40B4-BE49-F238E27FC236}">
+                  <a16:creationId xmlns:a16="http://schemas.microsoft.com/office/drawing/2014/main" id="{CFF1DD5D-78DD-42EB-A602-C43B200A77F3}"/>
+                </a:ext>
+              </a:extLst>
+            </p:cNvPr>
+            <p:cNvPicPr>
+              <a:picLocks noChangeAspect="1"/>
+            </p:cNvPicPr>
+            <p:nvPr/>
+          </p:nvPicPr>
+          <p:blipFill>
+            <a:blip r:embed="rId6"/>
+            <a:stretch>
+              <a:fillRect/>
+            </a:stretch>
+          </p:blipFill>
+          <p:spPr>
+            <a:xfrm>
+              <a:off x="9093654" y="3455042"/>
+              <a:ext cx="3093908" cy="1587475"/>
+            </a:xfrm>
+            <a:prstGeom prst="rect">
+              <a:avLst/>
+            </a:prstGeom>
+          </p:spPr>
+        </p:pic>
+      </p:grpSp>
+    </p:spTree>
+    <p:extLst>
+      <p:ext uri="{BB962C8B-B14F-4D97-AF65-F5344CB8AC3E}">
+        <p14:creationId xmlns:p14="http://schemas.microsoft.com/office/powerpoint/2010/main" val="1315466302"/>
+      </p:ext>
+    </p:extLst>
+  </p:cSld>
+  <p:clrMapOvr>
+    <a:masterClrMapping/>
+  </p:clrMapOvr>
+</p:sld>
+</file>
+
+<file path=ppt/slides/slide6.xml><?xml version="1.0" encoding="utf-8"?>
+<p:sld xmlns:a="http://schemas.openxmlformats.org/drawingml/2006/main" xmlns:r="http://schemas.openxmlformats.org/officeDocument/2006/relationships" xmlns:p="http://schemas.openxmlformats.org/presentationml/2006/main">
+  <p:cSld>
+    <p:spTree>
+      <p:nvGrpSpPr>
+        <p:cNvPr id="1" name=""/>
+        <p:cNvGrpSpPr/>
+        <p:nvPr/>
+      </p:nvGrpSpPr>
+      <p:grpSpPr>
+        <a:xfrm>
+          <a:off x="0" y="0"/>
+          <a:ext cx="0" cy="0"/>
+          <a:chOff x="0" y="0"/>
+          <a:chExt cx="0" cy="0"/>
+        </a:xfrm>
+      </p:grpSpPr>
       <p:pic>
         <p:nvPicPr>
           <p:cNvPr id="8" name="Imagen 7">
@@ -4714,7 +5889,7 @@
 </p:sld>
 </file>
 
-<file path=ppt/slides/slide5.xml><?xml version="1.0" encoding="utf-8"?>
+<file path=ppt/slides/slide7.xml><?xml version="1.0" encoding="utf-8"?>
 <p:sld xmlns:a="http://schemas.openxmlformats.org/drawingml/2006/main" xmlns:r="http://schemas.openxmlformats.org/officeDocument/2006/relationships" xmlns:p="http://schemas.openxmlformats.org/presentationml/2006/main">
   <p:cSld>
     <p:spTree>
@@ -4745,8 +5920,8 @@
         </p:nvSpPr>
         <p:spPr>
           <a:xfrm>
-            <a:off x="310626" y="3059668"/>
-            <a:ext cx="1314784" cy="369332"/>
+            <a:off x="4333709" y="115337"/>
+            <a:ext cx="2465547" cy="369332"/>
           </a:xfrm>
           <a:prstGeom prst="rect">
             <a:avLst/>
@@ -4759,13 +5934,14 @@
           </a:bodyPr>
           <a:lstStyle/>
           <a:p>
+            <a:pPr algn="ctr"/>
             <a:r>
               <a:rPr lang="en-US" b="1" dirty="0">
                 <a:solidFill>
                   <a:srgbClr val="FF0000"/>
                 </a:solidFill>
               </a:rPr>
-              <a:t>Conclusions</a:t>
+              <a:t>Results and Conclusions</a:t>
             </a:r>
           </a:p>
         </p:txBody>
@@ -4792,14 +5968,150 @@
         </p:blipFill>
         <p:spPr>
           <a:xfrm>
-            <a:off x="3005137" y="2943225"/>
-            <a:ext cx="6181725" cy="971550"/>
+            <a:off x="5843920" y="1594815"/>
+            <a:ext cx="5703857" cy="896446"/>
           </a:xfrm>
           <a:prstGeom prst="rect">
             <a:avLst/>
           </a:prstGeom>
         </p:spPr>
       </p:pic>
+      <p:pic>
+        <p:nvPicPr>
+          <p:cNvPr id="3" name="Imagen 2">
+            <a:extLst>
+              <a:ext uri="{FF2B5EF4-FFF2-40B4-BE49-F238E27FC236}">
+                <a16:creationId xmlns:a16="http://schemas.microsoft.com/office/drawing/2014/main" id="{3EB6CEC9-AC94-4290-AF37-F0EE8030C493}"/>
+              </a:ext>
+            </a:extLst>
+          </p:cNvPr>
+          <p:cNvPicPr>
+            <a:picLocks noChangeAspect="1"/>
+          </p:cNvPicPr>
+          <p:nvPr/>
+        </p:nvPicPr>
+        <p:blipFill>
+          <a:blip r:embed="rId3"/>
+          <a:stretch>
+            <a:fillRect/>
+          </a:stretch>
+        </p:blipFill>
+        <p:spPr>
+          <a:xfrm>
+            <a:off x="1143786" y="1594815"/>
+            <a:ext cx="2880040" cy="901387"/>
+          </a:xfrm>
+          <a:prstGeom prst="rect">
+            <a:avLst/>
+          </a:prstGeom>
+        </p:spPr>
+      </p:pic>
+      <p:sp>
+        <p:nvSpPr>
+          <p:cNvPr id="7" name="CuadroTexto 6">
+            <a:extLst>
+              <a:ext uri="{FF2B5EF4-FFF2-40B4-BE49-F238E27FC236}">
+                <a16:creationId xmlns:a16="http://schemas.microsoft.com/office/drawing/2014/main" id="{65634120-1017-4830-9BEF-CFA6203C1531}"/>
+              </a:ext>
+            </a:extLst>
+          </p:cNvPr>
+          <p:cNvSpPr txBox="1"/>
+          <p:nvPr/>
+        </p:nvSpPr>
+        <p:spPr>
+          <a:xfrm>
+            <a:off x="1611665" y="1050621"/>
+            <a:ext cx="1745574" cy="369332"/>
+          </a:xfrm>
+          <a:prstGeom prst="rect">
+            <a:avLst/>
+          </a:prstGeom>
+          <a:noFill/>
+        </p:spPr>
+        <p:txBody>
+          <a:bodyPr wrap="square">
+            <a:spAutoFit/>
+          </a:bodyPr>
+          <a:lstStyle/>
+          <a:p>
+            <a:r>
+              <a:rPr lang="es-US" dirty="0"/>
+              <a:t>Medical Support</a:t>
+            </a:r>
+          </a:p>
+        </p:txBody>
+      </p:sp>
+      <p:sp>
+        <p:nvSpPr>
+          <p:cNvPr id="8" name="CuadroTexto 7">
+            <a:extLst>
+              <a:ext uri="{FF2B5EF4-FFF2-40B4-BE49-F238E27FC236}">
+                <a16:creationId xmlns:a16="http://schemas.microsoft.com/office/drawing/2014/main" id="{7E2AAE08-B7D3-4AD4-807B-B461D61A0D17}"/>
+              </a:ext>
+            </a:extLst>
+          </p:cNvPr>
+          <p:cNvSpPr txBox="1"/>
+          <p:nvPr/>
+        </p:nvSpPr>
+        <p:spPr>
+          <a:xfrm>
+            <a:off x="8160992" y="1050621"/>
+            <a:ext cx="1142803" cy="369332"/>
+          </a:xfrm>
+          <a:prstGeom prst="rect">
+            <a:avLst/>
+          </a:prstGeom>
+          <a:noFill/>
+        </p:spPr>
+        <p:txBody>
+          <a:bodyPr wrap="square">
+            <a:spAutoFit/>
+          </a:bodyPr>
+          <a:lstStyle/>
+          <a:p>
+            <a:r>
+              <a:rPr lang="es-US" dirty="0"/>
+              <a:t>COVID-19 </a:t>
+            </a:r>
+          </a:p>
+        </p:txBody>
+      </p:sp>
+      <p:sp>
+        <p:nvSpPr>
+          <p:cNvPr id="9" name="CuadroTexto 8">
+            <a:extLst>
+              <a:ext uri="{FF2B5EF4-FFF2-40B4-BE49-F238E27FC236}">
+                <a16:creationId xmlns:a16="http://schemas.microsoft.com/office/drawing/2014/main" id="{26EB28F6-0761-4CAD-81A0-CE3A792B9546}"/>
+              </a:ext>
+            </a:extLst>
+          </p:cNvPr>
+          <p:cNvSpPr txBox="1"/>
+          <p:nvPr/>
+        </p:nvSpPr>
+        <p:spPr>
+          <a:xfrm>
+            <a:off x="4693696" y="4011998"/>
+            <a:ext cx="1745574" cy="369332"/>
+          </a:xfrm>
+          <a:prstGeom prst="rect">
+            <a:avLst/>
+          </a:prstGeom>
+          <a:noFill/>
+        </p:spPr>
+        <p:txBody>
+          <a:bodyPr wrap="square">
+            <a:spAutoFit/>
+          </a:bodyPr>
+          <a:lstStyle/>
+          <a:p>
+            <a:pPr algn="ctr"/>
+            <a:r>
+              <a:rPr lang="es-US" dirty="0"/>
+              <a:t>Project</a:t>
+            </a:r>
+          </a:p>
+        </p:txBody>
+      </p:sp>
     </p:spTree>
     <p:extLst>
       <p:ext uri="{BB962C8B-B14F-4D97-AF65-F5344CB8AC3E}">

--- a/presentation.pptx
+++ b/presentation.pptx
@@ -4,14 +4,16 @@
   <p:sldMasterIdLst>
     <p:sldMasterId id="2147483648" r:id="rId1"/>
   </p:sldMasterIdLst>
+  <p:notesMasterIdLst>
+    <p:notesMasterId r:id="rId8"/>
+  </p:notesMasterIdLst>
   <p:sldIdLst>
     <p:sldId id="256" r:id="rId2"/>
     <p:sldId id="257" r:id="rId3"/>
     <p:sldId id="259" r:id="rId4"/>
     <p:sldId id="262" r:id="rId5"/>
     <p:sldId id="263" r:id="rId6"/>
-    <p:sldId id="261" r:id="rId7"/>
-    <p:sldId id="258" r:id="rId8"/>
+    <p:sldId id="258" r:id="rId7"/>
   </p:sldIdLst>
   <p:sldSz cx="12192000" cy="6858000"/>
   <p:notesSz cx="6858000" cy="9144000"/>
@@ -118,6 +120,440 @@
 </p:presentation>
 </file>
 
+<file path=ppt/notesMasters/notesMaster1.xml><?xml version="1.0" encoding="utf-8"?>
+<p:notesMaster xmlns:a="http://schemas.openxmlformats.org/drawingml/2006/main" xmlns:r="http://schemas.openxmlformats.org/officeDocument/2006/relationships" xmlns:p="http://schemas.openxmlformats.org/presentationml/2006/main">
+  <p:cSld>
+    <p:bg>
+      <p:bgRef idx="1001">
+        <a:schemeClr val="bg1"/>
+      </p:bgRef>
+    </p:bg>
+    <p:spTree>
+      <p:nvGrpSpPr>
+        <p:cNvPr id="1" name=""/>
+        <p:cNvGrpSpPr/>
+        <p:nvPr/>
+      </p:nvGrpSpPr>
+      <p:grpSpPr>
+        <a:xfrm>
+          <a:off x="0" y="0"/>
+          <a:ext cx="0" cy="0"/>
+          <a:chOff x="0" y="0"/>
+          <a:chExt cx="0" cy="0"/>
+        </a:xfrm>
+      </p:grpSpPr>
+      <p:sp>
+        <p:nvSpPr>
+          <p:cNvPr id="2" name="Marcador de encabezado 1"/>
+          <p:cNvSpPr>
+            <a:spLocks noGrp="1"/>
+          </p:cNvSpPr>
+          <p:nvPr>
+            <p:ph type="hdr" sz="quarter"/>
+          </p:nvPr>
+        </p:nvSpPr>
+        <p:spPr>
+          <a:xfrm>
+            <a:off x="0" y="0"/>
+            <a:ext cx="2971800" cy="458788"/>
+          </a:xfrm>
+          <a:prstGeom prst="rect">
+            <a:avLst/>
+          </a:prstGeom>
+        </p:spPr>
+        <p:txBody>
+          <a:bodyPr vert="horz" lIns="91440" tIns="45720" rIns="91440" bIns="45720" rtlCol="0"/>
+          <a:lstStyle>
+            <a:lvl1pPr algn="l">
+              <a:defRPr sz="1200"/>
+            </a:lvl1pPr>
+          </a:lstStyle>
+          <a:p>
+            <a:endParaRPr lang="es-US"/>
+          </a:p>
+        </p:txBody>
+      </p:sp>
+      <p:sp>
+        <p:nvSpPr>
+          <p:cNvPr id="3" name="Marcador de fecha 2"/>
+          <p:cNvSpPr>
+            <a:spLocks noGrp="1"/>
+          </p:cNvSpPr>
+          <p:nvPr>
+            <p:ph type="dt" idx="1"/>
+          </p:nvPr>
+        </p:nvSpPr>
+        <p:spPr>
+          <a:xfrm>
+            <a:off x="3884613" y="0"/>
+            <a:ext cx="2971800" cy="458788"/>
+          </a:xfrm>
+          <a:prstGeom prst="rect">
+            <a:avLst/>
+          </a:prstGeom>
+        </p:spPr>
+        <p:txBody>
+          <a:bodyPr vert="horz" lIns="91440" tIns="45720" rIns="91440" bIns="45720" rtlCol="0"/>
+          <a:lstStyle>
+            <a:lvl1pPr algn="r">
+              <a:defRPr sz="1200"/>
+            </a:lvl1pPr>
+          </a:lstStyle>
+          <a:p>
+            <a:fld id="{B82DECEF-77A3-470D-B023-E4F77B6C65F2}" type="datetimeFigureOut">
+              <a:rPr lang="es-US" smtClean="0"/>
+              <a:t>5/27/2021</a:t>
+            </a:fld>
+            <a:endParaRPr lang="es-US"/>
+          </a:p>
+        </p:txBody>
+      </p:sp>
+      <p:sp>
+        <p:nvSpPr>
+          <p:cNvPr id="4" name="Marcador de imagen de diapositiva 3"/>
+          <p:cNvSpPr>
+            <a:spLocks noGrp="1" noRot="1" noChangeAspect="1"/>
+          </p:cNvSpPr>
+          <p:nvPr>
+            <p:ph type="sldImg" idx="2"/>
+          </p:nvPr>
+        </p:nvSpPr>
+        <p:spPr>
+          <a:xfrm>
+            <a:off x="685800" y="1143000"/>
+            <a:ext cx="5486400" cy="3086100"/>
+          </a:xfrm>
+          <a:prstGeom prst="rect">
+            <a:avLst/>
+          </a:prstGeom>
+          <a:noFill/>
+          <a:ln w="12700">
+            <a:solidFill>
+              <a:prstClr val="black"/>
+            </a:solidFill>
+          </a:ln>
+        </p:spPr>
+        <p:txBody>
+          <a:bodyPr vert="horz" lIns="91440" tIns="45720" rIns="91440" bIns="45720" rtlCol="0" anchor="ctr"/>
+          <a:lstStyle/>
+          <a:p>
+            <a:endParaRPr lang="es-US"/>
+          </a:p>
+        </p:txBody>
+      </p:sp>
+      <p:sp>
+        <p:nvSpPr>
+          <p:cNvPr id="5" name="Marcador de notas 4"/>
+          <p:cNvSpPr>
+            <a:spLocks noGrp="1"/>
+          </p:cNvSpPr>
+          <p:nvPr>
+            <p:ph type="body" sz="quarter" idx="3"/>
+          </p:nvPr>
+        </p:nvSpPr>
+        <p:spPr>
+          <a:xfrm>
+            <a:off x="685800" y="4400550"/>
+            <a:ext cx="5486400" cy="3600450"/>
+          </a:xfrm>
+          <a:prstGeom prst="rect">
+            <a:avLst/>
+          </a:prstGeom>
+        </p:spPr>
+        <p:txBody>
+          <a:bodyPr vert="horz" lIns="91440" tIns="45720" rIns="91440" bIns="45720" rtlCol="0"/>
+          <a:lstStyle/>
+          <a:p>
+            <a:pPr lvl="0"/>
+            <a:r>
+              <a:rPr lang="es-ES"/>
+              <a:t>Haga clic para modificar los estilos de texto del patrón</a:t>
+            </a:r>
+          </a:p>
+          <a:p>
+            <a:pPr lvl="1"/>
+            <a:r>
+              <a:rPr lang="es-ES"/>
+              <a:t>Segundo nivel</a:t>
+            </a:r>
+          </a:p>
+          <a:p>
+            <a:pPr lvl="2"/>
+            <a:r>
+              <a:rPr lang="es-ES"/>
+              <a:t>Tercer nivel</a:t>
+            </a:r>
+          </a:p>
+          <a:p>
+            <a:pPr lvl="3"/>
+            <a:r>
+              <a:rPr lang="es-ES"/>
+              <a:t>Cuarto nivel</a:t>
+            </a:r>
+          </a:p>
+          <a:p>
+            <a:pPr lvl="4"/>
+            <a:r>
+              <a:rPr lang="es-ES"/>
+              <a:t>Quinto nivel</a:t>
+            </a:r>
+            <a:endParaRPr lang="es-US"/>
+          </a:p>
+        </p:txBody>
+      </p:sp>
+      <p:sp>
+        <p:nvSpPr>
+          <p:cNvPr id="6" name="Marcador de pie de página 5"/>
+          <p:cNvSpPr>
+            <a:spLocks noGrp="1"/>
+          </p:cNvSpPr>
+          <p:nvPr>
+            <p:ph type="ftr" sz="quarter" idx="4"/>
+          </p:nvPr>
+        </p:nvSpPr>
+        <p:spPr>
+          <a:xfrm>
+            <a:off x="0" y="8685213"/>
+            <a:ext cx="2971800" cy="458787"/>
+          </a:xfrm>
+          <a:prstGeom prst="rect">
+            <a:avLst/>
+          </a:prstGeom>
+        </p:spPr>
+        <p:txBody>
+          <a:bodyPr vert="horz" lIns="91440" tIns="45720" rIns="91440" bIns="45720" rtlCol="0" anchor="b"/>
+          <a:lstStyle>
+            <a:lvl1pPr algn="l">
+              <a:defRPr sz="1200"/>
+            </a:lvl1pPr>
+          </a:lstStyle>
+          <a:p>
+            <a:endParaRPr lang="es-US"/>
+          </a:p>
+        </p:txBody>
+      </p:sp>
+      <p:sp>
+        <p:nvSpPr>
+          <p:cNvPr id="7" name="Marcador de número de diapositiva 6"/>
+          <p:cNvSpPr>
+            <a:spLocks noGrp="1"/>
+          </p:cNvSpPr>
+          <p:nvPr>
+            <p:ph type="sldNum" sz="quarter" idx="5"/>
+          </p:nvPr>
+        </p:nvSpPr>
+        <p:spPr>
+          <a:xfrm>
+            <a:off x="3884613" y="8685213"/>
+            <a:ext cx="2971800" cy="458787"/>
+          </a:xfrm>
+          <a:prstGeom prst="rect">
+            <a:avLst/>
+          </a:prstGeom>
+        </p:spPr>
+        <p:txBody>
+          <a:bodyPr vert="horz" lIns="91440" tIns="45720" rIns="91440" bIns="45720" rtlCol="0" anchor="b"/>
+          <a:lstStyle>
+            <a:lvl1pPr algn="r">
+              <a:defRPr sz="1200"/>
+            </a:lvl1pPr>
+          </a:lstStyle>
+          <a:p>
+            <a:fld id="{7E884576-3F17-436C-8C89-BAB4642A3429}" type="slidenum">
+              <a:rPr lang="es-US" smtClean="0"/>
+              <a:t>‹Nº›</a:t>
+            </a:fld>
+            <a:endParaRPr lang="es-US"/>
+          </a:p>
+        </p:txBody>
+      </p:sp>
+    </p:spTree>
+    <p:extLst>
+      <p:ext uri="{BB962C8B-B14F-4D97-AF65-F5344CB8AC3E}">
+        <p14:creationId xmlns:p14="http://schemas.microsoft.com/office/powerpoint/2010/main" val="682259258"/>
+      </p:ext>
+    </p:extLst>
+  </p:cSld>
+  <p:clrMap bg1="lt1" tx1="dk1" bg2="lt2" tx2="dk2" accent1="accent1" accent2="accent2" accent3="accent3" accent4="accent4" accent5="accent5" accent6="accent6" hlink="hlink" folHlink="folHlink"/>
+  <p:notesStyle>
+    <a:lvl1pPr marL="0" algn="l" defTabSz="914400" rtl="0" eaLnBrk="1" latinLnBrk="0" hangingPunct="1">
+      <a:defRPr sz="1200" kern="1200">
+        <a:solidFill>
+          <a:schemeClr val="tx1"/>
+        </a:solidFill>
+        <a:latin typeface="+mn-lt"/>
+        <a:ea typeface="+mn-ea"/>
+        <a:cs typeface="+mn-cs"/>
+      </a:defRPr>
+    </a:lvl1pPr>
+    <a:lvl2pPr marL="457200" algn="l" defTabSz="914400" rtl="0" eaLnBrk="1" latinLnBrk="0" hangingPunct="1">
+      <a:defRPr sz="1200" kern="1200">
+        <a:solidFill>
+          <a:schemeClr val="tx1"/>
+        </a:solidFill>
+        <a:latin typeface="+mn-lt"/>
+        <a:ea typeface="+mn-ea"/>
+        <a:cs typeface="+mn-cs"/>
+      </a:defRPr>
+    </a:lvl2pPr>
+    <a:lvl3pPr marL="914400" algn="l" defTabSz="914400" rtl="0" eaLnBrk="1" latinLnBrk="0" hangingPunct="1">
+      <a:defRPr sz="1200" kern="1200">
+        <a:solidFill>
+          <a:schemeClr val="tx1"/>
+        </a:solidFill>
+        <a:latin typeface="+mn-lt"/>
+        <a:ea typeface="+mn-ea"/>
+        <a:cs typeface="+mn-cs"/>
+      </a:defRPr>
+    </a:lvl3pPr>
+    <a:lvl4pPr marL="1371600" algn="l" defTabSz="914400" rtl="0" eaLnBrk="1" latinLnBrk="0" hangingPunct="1">
+      <a:defRPr sz="1200" kern="1200">
+        <a:solidFill>
+          <a:schemeClr val="tx1"/>
+        </a:solidFill>
+        <a:latin typeface="+mn-lt"/>
+        <a:ea typeface="+mn-ea"/>
+        <a:cs typeface="+mn-cs"/>
+      </a:defRPr>
+    </a:lvl4pPr>
+    <a:lvl5pPr marL="1828800" algn="l" defTabSz="914400" rtl="0" eaLnBrk="1" latinLnBrk="0" hangingPunct="1">
+      <a:defRPr sz="1200" kern="1200">
+        <a:solidFill>
+          <a:schemeClr val="tx1"/>
+        </a:solidFill>
+        <a:latin typeface="+mn-lt"/>
+        <a:ea typeface="+mn-ea"/>
+        <a:cs typeface="+mn-cs"/>
+      </a:defRPr>
+    </a:lvl5pPr>
+    <a:lvl6pPr marL="2286000" algn="l" defTabSz="914400" rtl="0" eaLnBrk="1" latinLnBrk="0" hangingPunct="1">
+      <a:defRPr sz="1200" kern="1200">
+        <a:solidFill>
+          <a:schemeClr val="tx1"/>
+        </a:solidFill>
+        <a:latin typeface="+mn-lt"/>
+        <a:ea typeface="+mn-ea"/>
+        <a:cs typeface="+mn-cs"/>
+      </a:defRPr>
+    </a:lvl6pPr>
+    <a:lvl7pPr marL="2743200" algn="l" defTabSz="914400" rtl="0" eaLnBrk="1" latinLnBrk="0" hangingPunct="1">
+      <a:defRPr sz="1200" kern="1200">
+        <a:solidFill>
+          <a:schemeClr val="tx1"/>
+        </a:solidFill>
+        <a:latin typeface="+mn-lt"/>
+        <a:ea typeface="+mn-ea"/>
+        <a:cs typeface="+mn-cs"/>
+      </a:defRPr>
+    </a:lvl7pPr>
+    <a:lvl8pPr marL="3200400" algn="l" defTabSz="914400" rtl="0" eaLnBrk="1" latinLnBrk="0" hangingPunct="1">
+      <a:defRPr sz="1200" kern="1200">
+        <a:solidFill>
+          <a:schemeClr val="tx1"/>
+        </a:solidFill>
+        <a:latin typeface="+mn-lt"/>
+        <a:ea typeface="+mn-ea"/>
+        <a:cs typeface="+mn-cs"/>
+      </a:defRPr>
+    </a:lvl8pPr>
+    <a:lvl9pPr marL="3657600" algn="l" defTabSz="914400" rtl="0" eaLnBrk="1" latinLnBrk="0" hangingPunct="1">
+      <a:defRPr sz="1200" kern="1200">
+        <a:solidFill>
+          <a:schemeClr val="tx1"/>
+        </a:solidFill>
+        <a:latin typeface="+mn-lt"/>
+        <a:ea typeface="+mn-ea"/>
+        <a:cs typeface="+mn-cs"/>
+      </a:defRPr>
+    </a:lvl9pPr>
+  </p:notesStyle>
+</p:notesMaster>
+</file>
+
+<file path=ppt/notesSlides/notesSlide1.xml><?xml version="1.0" encoding="utf-8"?>
+<p:notes xmlns:a="http://schemas.openxmlformats.org/drawingml/2006/main" xmlns:r="http://schemas.openxmlformats.org/officeDocument/2006/relationships" xmlns:p="http://schemas.openxmlformats.org/presentationml/2006/main">
+  <p:cSld>
+    <p:spTree>
+      <p:nvGrpSpPr>
+        <p:cNvPr id="1" name=""/>
+        <p:cNvGrpSpPr/>
+        <p:nvPr/>
+      </p:nvGrpSpPr>
+      <p:grpSpPr>
+        <a:xfrm>
+          <a:off x="0" y="0"/>
+          <a:ext cx="0" cy="0"/>
+          <a:chOff x="0" y="0"/>
+          <a:chExt cx="0" cy="0"/>
+        </a:xfrm>
+      </p:grpSpPr>
+      <p:sp>
+        <p:nvSpPr>
+          <p:cNvPr id="2" name="Marcador de imagen de diapositiva 1"/>
+          <p:cNvSpPr>
+            <a:spLocks noGrp="1" noRot="1" noChangeAspect="1"/>
+          </p:cNvSpPr>
+          <p:nvPr>
+            <p:ph type="sldImg"/>
+          </p:nvPr>
+        </p:nvSpPr>
+        <p:spPr/>
+      </p:sp>
+      <p:sp>
+        <p:nvSpPr>
+          <p:cNvPr id="3" name="Marcador de notas 2"/>
+          <p:cNvSpPr>
+            <a:spLocks noGrp="1"/>
+          </p:cNvSpPr>
+          <p:nvPr>
+            <p:ph type="body" idx="1"/>
+          </p:nvPr>
+        </p:nvSpPr>
+        <p:spPr/>
+        <p:txBody>
+          <a:bodyPr/>
+          <a:lstStyle/>
+          <a:p>
+            <a:endParaRPr lang="es-US" dirty="0"/>
+          </a:p>
+        </p:txBody>
+      </p:sp>
+      <p:sp>
+        <p:nvSpPr>
+          <p:cNvPr id="4" name="Marcador de número de diapositiva 3"/>
+          <p:cNvSpPr>
+            <a:spLocks noGrp="1"/>
+          </p:cNvSpPr>
+          <p:nvPr>
+            <p:ph type="sldNum" sz="quarter" idx="5"/>
+          </p:nvPr>
+        </p:nvSpPr>
+        <p:spPr/>
+        <p:txBody>
+          <a:bodyPr/>
+          <a:lstStyle/>
+          <a:p>
+            <a:fld id="{7E884576-3F17-436C-8C89-BAB4642A3429}" type="slidenum">
+              <a:rPr lang="es-US" smtClean="0"/>
+              <a:t>4</a:t>
+            </a:fld>
+            <a:endParaRPr lang="es-US"/>
+          </a:p>
+        </p:txBody>
+      </p:sp>
+    </p:spTree>
+    <p:extLst>
+      <p:ext uri="{BB962C8B-B14F-4D97-AF65-F5344CB8AC3E}">
+        <p14:creationId xmlns:p14="http://schemas.microsoft.com/office/powerpoint/2010/main" val="1396929371"/>
+      </p:ext>
+    </p:extLst>
+  </p:cSld>
+  <p:clrMapOvr>
+    <a:masterClrMapping/>
+  </p:clrMapOvr>
+</p:notes>
+</file>
+
 <file path=ppt/slideLayouts/slideLayout1.xml><?xml version="1.0" encoding="utf-8"?>
 <p:sldLayout xmlns:a="http://schemas.openxmlformats.org/drawingml/2006/main" xmlns:r="http://schemas.openxmlformats.org/officeDocument/2006/relationships" xmlns:p="http://schemas.openxmlformats.org/presentationml/2006/main" type="title" preserve="1">
   <p:cSld name="Diapositiva de título">
@@ -267,7 +703,7 @@
           <a:p>
             <a:fld id="{3D61DA1E-D2D1-48AF-A14C-018E15AFF154}" type="datetimeFigureOut">
               <a:rPr lang="es-US" smtClean="0"/>
-              <a:t>5/22/2021</a:t>
+              <a:t>5/27/2021</a:t>
             </a:fld>
             <a:endParaRPr lang="es-US"/>
           </a:p>
@@ -467,7 +903,7 @@
           <a:p>
             <a:fld id="{3D61DA1E-D2D1-48AF-A14C-018E15AFF154}" type="datetimeFigureOut">
               <a:rPr lang="es-US" smtClean="0"/>
-              <a:t>5/22/2021</a:t>
+              <a:t>5/27/2021</a:t>
             </a:fld>
             <a:endParaRPr lang="es-US"/>
           </a:p>
@@ -677,7 +1113,7 @@
           <a:p>
             <a:fld id="{3D61DA1E-D2D1-48AF-A14C-018E15AFF154}" type="datetimeFigureOut">
               <a:rPr lang="es-US" smtClean="0"/>
-              <a:t>5/22/2021</a:t>
+              <a:t>5/27/2021</a:t>
             </a:fld>
             <a:endParaRPr lang="es-US"/>
           </a:p>
@@ -877,7 +1313,7 @@
           <a:p>
             <a:fld id="{3D61DA1E-D2D1-48AF-A14C-018E15AFF154}" type="datetimeFigureOut">
               <a:rPr lang="es-US" smtClean="0"/>
-              <a:t>5/22/2021</a:t>
+              <a:t>5/27/2021</a:t>
             </a:fld>
             <a:endParaRPr lang="es-US"/>
           </a:p>
@@ -1153,7 +1589,7 @@
           <a:p>
             <a:fld id="{3D61DA1E-D2D1-48AF-A14C-018E15AFF154}" type="datetimeFigureOut">
               <a:rPr lang="es-US" smtClean="0"/>
-              <a:t>5/22/2021</a:t>
+              <a:t>5/27/2021</a:t>
             </a:fld>
             <a:endParaRPr lang="es-US"/>
           </a:p>
@@ -1421,7 +1857,7 @@
           <a:p>
             <a:fld id="{3D61DA1E-D2D1-48AF-A14C-018E15AFF154}" type="datetimeFigureOut">
               <a:rPr lang="es-US" smtClean="0"/>
-              <a:t>5/22/2021</a:t>
+              <a:t>5/27/2021</a:t>
             </a:fld>
             <a:endParaRPr lang="es-US"/>
           </a:p>
@@ -1836,7 +2272,7 @@
           <a:p>
             <a:fld id="{3D61DA1E-D2D1-48AF-A14C-018E15AFF154}" type="datetimeFigureOut">
               <a:rPr lang="es-US" smtClean="0"/>
-              <a:t>5/22/2021</a:t>
+              <a:t>5/27/2021</a:t>
             </a:fld>
             <a:endParaRPr lang="es-US"/>
           </a:p>
@@ -1978,7 +2414,7 @@
           <a:p>
             <a:fld id="{3D61DA1E-D2D1-48AF-A14C-018E15AFF154}" type="datetimeFigureOut">
               <a:rPr lang="es-US" smtClean="0"/>
-              <a:t>5/22/2021</a:t>
+              <a:t>5/27/2021</a:t>
             </a:fld>
             <a:endParaRPr lang="es-US"/>
           </a:p>
@@ -2091,7 +2527,7 @@
           <a:p>
             <a:fld id="{3D61DA1E-D2D1-48AF-A14C-018E15AFF154}" type="datetimeFigureOut">
               <a:rPr lang="es-US" smtClean="0"/>
-              <a:t>5/22/2021</a:t>
+              <a:t>5/27/2021</a:t>
             </a:fld>
             <a:endParaRPr lang="es-US"/>
           </a:p>
@@ -2404,7 +2840,7 @@
           <a:p>
             <a:fld id="{3D61DA1E-D2D1-48AF-A14C-018E15AFF154}" type="datetimeFigureOut">
               <a:rPr lang="es-US" smtClean="0"/>
-              <a:t>5/22/2021</a:t>
+              <a:t>5/27/2021</a:t>
             </a:fld>
             <a:endParaRPr lang="es-US"/>
           </a:p>
@@ -2693,7 +3129,7 @@
           <a:p>
             <a:fld id="{3D61DA1E-D2D1-48AF-A14C-018E15AFF154}" type="datetimeFigureOut">
               <a:rPr lang="es-US" smtClean="0"/>
-              <a:t>5/22/2021</a:t>
+              <a:t>5/27/2021</a:t>
             </a:fld>
             <a:endParaRPr lang="es-US"/>
           </a:p>
@@ -2936,7 +3372,7 @@
           <a:p>
             <a:fld id="{3D61DA1E-D2D1-48AF-A14C-018E15AFF154}" type="datetimeFigureOut">
               <a:rPr lang="es-US" smtClean="0"/>
-              <a:t>5/22/2021</a:t>
+              <a:t>5/27/2021</a:t>
             </a:fld>
             <a:endParaRPr lang="es-US"/>
           </a:p>
@@ -3384,7 +3820,7 @@
                 <a:effectLst/>
                 <a:latin typeface="sohne"/>
               </a:rPr>
-              <a:t>Build a Python Chatbot using </a:t>
+              <a:t>Build a Python Chatbot </a:t>
             </a:r>
             <a:r>
               <a:rPr lang="en-US" b="1" i="0" dirty="0" err="1">
@@ -4357,36 +4793,6 @@
           </a:p>
         </p:txBody>
       </p:sp>
-      <p:pic>
-        <p:nvPicPr>
-          <p:cNvPr id="18" name="Imagen 17">
-            <a:extLst>
-              <a:ext uri="{FF2B5EF4-FFF2-40B4-BE49-F238E27FC236}">
-                <a16:creationId xmlns:a16="http://schemas.microsoft.com/office/drawing/2014/main" id="{1CEA878F-693D-41A2-9C5E-0FD5F337E0CE}"/>
-              </a:ext>
-            </a:extLst>
-          </p:cNvPr>
-          <p:cNvPicPr>
-            <a:picLocks noChangeAspect="1"/>
-          </p:cNvPicPr>
-          <p:nvPr/>
-        </p:nvPicPr>
-        <p:blipFill>
-          <a:blip r:embed="rId4"/>
-          <a:stretch>
-            <a:fillRect/>
-          </a:stretch>
-        </p:blipFill>
-        <p:spPr>
-          <a:xfrm>
-            <a:off x="7557301" y="2923065"/>
-            <a:ext cx="3847082" cy="3496381"/>
-          </a:xfrm>
-          <a:prstGeom prst="rect">
-            <a:avLst/>
-          </a:prstGeom>
-        </p:spPr>
-      </p:pic>
       <p:sp>
         <p:nvSpPr>
           <p:cNvPr id="19" name="CuadroTexto 18">
@@ -4438,7 +4844,7 @@
           <p:nvPr/>
         </p:nvPicPr>
         <p:blipFill>
-          <a:blip r:embed="rId5"/>
+          <a:blip r:embed="rId4"/>
           <a:stretch>
             <a:fillRect/>
           </a:stretch>
@@ -4468,14 +4874,14 @@
           <p:nvPr/>
         </p:nvPicPr>
         <p:blipFill>
-          <a:blip r:embed="rId6"/>
+          <a:blip r:embed="rId5"/>
           <a:stretch>
             <a:fillRect/>
           </a:stretch>
         </p:blipFill>
         <p:spPr>
           <a:xfrm>
-            <a:off x="220814" y="5015699"/>
+            <a:off x="220814" y="6124171"/>
             <a:ext cx="2994282" cy="590550"/>
           </a:xfrm>
           <a:prstGeom prst="rect">
@@ -4648,6 +5054,66 @@
           </p:style>
         </p:cxnSp>
       </p:grpSp>
+      <p:pic>
+        <p:nvPicPr>
+          <p:cNvPr id="3" name="Imagen 2">
+            <a:extLst>
+              <a:ext uri="{FF2B5EF4-FFF2-40B4-BE49-F238E27FC236}">
+                <a16:creationId xmlns:a16="http://schemas.microsoft.com/office/drawing/2014/main" id="{D991DC4C-6E03-4A07-AD3A-29E8AF41F5F4}"/>
+              </a:ext>
+            </a:extLst>
+          </p:cNvPr>
+          <p:cNvPicPr>
+            <a:picLocks noChangeAspect="1"/>
+          </p:cNvPicPr>
+          <p:nvPr/>
+        </p:nvPicPr>
+        <p:blipFill>
+          <a:blip r:embed="rId6"/>
+          <a:stretch>
+            <a:fillRect/>
+          </a:stretch>
+        </p:blipFill>
+        <p:spPr>
+          <a:xfrm>
+            <a:off x="589935" y="4295417"/>
+            <a:ext cx="2044879" cy="1761506"/>
+          </a:xfrm>
+          <a:prstGeom prst="rect">
+            <a:avLst/>
+          </a:prstGeom>
+        </p:spPr>
+      </p:pic>
+      <p:pic>
+        <p:nvPicPr>
+          <p:cNvPr id="5" name="Imagen 4">
+            <a:extLst>
+              <a:ext uri="{FF2B5EF4-FFF2-40B4-BE49-F238E27FC236}">
+                <a16:creationId xmlns:a16="http://schemas.microsoft.com/office/drawing/2014/main" id="{3B76BA71-1E9C-4800-90B6-2ACF79895F95}"/>
+              </a:ext>
+            </a:extLst>
+          </p:cNvPr>
+          <p:cNvPicPr>
+            <a:picLocks noChangeAspect="1"/>
+          </p:cNvPicPr>
+          <p:nvPr/>
+        </p:nvPicPr>
+        <p:blipFill>
+          <a:blip r:embed="rId7"/>
+          <a:stretch>
+            <a:fillRect/>
+          </a:stretch>
+        </p:blipFill>
+        <p:spPr>
+          <a:xfrm>
+            <a:off x="7423008" y="2923064"/>
+            <a:ext cx="4492956" cy="3535619"/>
+          </a:xfrm>
+          <a:prstGeom prst="rect">
+            <a:avLst/>
+          </a:prstGeom>
+        </p:spPr>
+      </p:pic>
     </p:spTree>
     <p:extLst>
       <p:ext uri="{BB962C8B-B14F-4D97-AF65-F5344CB8AC3E}">
@@ -4788,7 +5254,7 @@
             <p:nvPr/>
           </p:nvPicPr>
           <p:blipFill>
-            <a:blip r:embed="rId2">
+            <a:blip r:embed="rId3">
               <a:extLst>
                 <a:ext uri="{28A0092B-C50C-407E-A947-70E740481C1C}">
                   <a14:useLocalDpi xmlns:a14="http://schemas.microsoft.com/office/drawing/2010/main" val="0"/>
@@ -4876,7 +5342,7 @@
               <p:nvPr/>
             </p:nvPicPr>
             <p:blipFill>
-              <a:blip r:embed="rId3">
+              <a:blip r:embed="rId4">
                 <a:extLst>
                   <a:ext uri="{28A0092B-C50C-407E-A947-70E740481C1C}">
                     <a14:useLocalDpi xmlns:a14="http://schemas.microsoft.com/office/drawing/2010/main" val="0"/>
@@ -4923,7 +5389,7 @@
               <p:nvPr/>
             </p:nvPicPr>
             <p:blipFill>
-              <a:blip r:embed="rId4">
+              <a:blip r:embed="rId5">
                 <a:extLst>
                   <a:ext uri="{28A0092B-C50C-407E-A947-70E740481C1C}">
                     <a14:useLocalDpi xmlns:a14="http://schemas.microsoft.com/office/drawing/2010/main" val="0"/>
@@ -5097,7 +5563,7 @@
             <p:nvPr/>
           </p:nvPicPr>
           <p:blipFill>
-            <a:blip r:embed="rId5">
+            <a:blip r:embed="rId6">
               <a:extLst>
                 <a:ext uri="{28A0092B-C50C-407E-A947-70E740481C1C}">
                   <a14:useLocalDpi xmlns:a14="http://schemas.microsoft.com/office/drawing/2010/main" val="0"/>
@@ -5145,7 +5611,7 @@
           <p:nvPr/>
         </p:nvPicPr>
         <p:blipFill>
-          <a:blip r:embed="rId6">
+          <a:blip r:embed="rId7">
             <a:extLst>
               <a:ext uri="{28A0092B-C50C-407E-A947-70E740481C1C}">
                 <a14:useLocalDpi xmlns:a14="http://schemas.microsoft.com/office/drawing/2010/main" val="0"/>
@@ -5846,12 +6312,52 @@
           <a:chExt cx="0" cy="0"/>
         </a:xfrm>
       </p:grpSpPr>
+      <p:sp>
+        <p:nvSpPr>
+          <p:cNvPr id="4" name="CuadroTexto 3">
+            <a:extLst>
+              <a:ext uri="{FF2B5EF4-FFF2-40B4-BE49-F238E27FC236}">
+                <a16:creationId xmlns:a16="http://schemas.microsoft.com/office/drawing/2014/main" id="{F96BF9F7-3850-4EC2-AD7A-31791C2AE1C6}"/>
+              </a:ext>
+            </a:extLst>
+          </p:cNvPr>
+          <p:cNvSpPr txBox="1"/>
+          <p:nvPr/>
+        </p:nvSpPr>
+        <p:spPr>
+          <a:xfrm>
+            <a:off x="4333709" y="115337"/>
+            <a:ext cx="2465547" cy="369332"/>
+          </a:xfrm>
+          <a:prstGeom prst="rect">
+            <a:avLst/>
+          </a:prstGeom>
+          <a:noFill/>
+        </p:spPr>
+        <p:txBody>
+          <a:bodyPr wrap="none" rtlCol="0">
+            <a:spAutoFit/>
+          </a:bodyPr>
+          <a:lstStyle/>
+          <a:p>
+            <a:pPr algn="ctr"/>
+            <a:r>
+              <a:rPr lang="en-US" b="1" dirty="0">
+                <a:solidFill>
+                  <a:srgbClr val="FF0000"/>
+                </a:solidFill>
+              </a:rPr>
+              <a:t>Results and Conclusions</a:t>
+            </a:r>
+          </a:p>
+        </p:txBody>
+      </p:sp>
       <p:pic>
         <p:nvPicPr>
-          <p:cNvPr id="8" name="Imagen 7">
-            <a:extLst>
-              <a:ext uri="{FF2B5EF4-FFF2-40B4-BE49-F238E27FC236}">
-                <a16:creationId xmlns:a16="http://schemas.microsoft.com/office/drawing/2014/main" id="{F3A2362F-696B-458B-970F-EAE2FA53CCB8}"/>
+          <p:cNvPr id="6" name="Imagen 5">
+            <a:extLst>
+              <a:ext uri="{FF2B5EF4-FFF2-40B4-BE49-F238E27FC236}">
+                <a16:creationId xmlns:a16="http://schemas.microsoft.com/office/drawing/2014/main" id="{F20938AC-C36E-4D8B-BFEA-C36BC8ECDC55}"/>
               </a:ext>
             </a:extLst>
           </p:cNvPr>
@@ -5868,107 +6374,7 @@
         </p:blipFill>
         <p:spPr>
           <a:xfrm>
-            <a:off x="18729" y="0"/>
-            <a:ext cx="12154541" cy="6858000"/>
-          </a:xfrm>
-          <a:prstGeom prst="rect">
-            <a:avLst/>
-          </a:prstGeom>
-        </p:spPr>
-      </p:pic>
-    </p:spTree>
-    <p:extLst>
-      <p:ext uri="{BB962C8B-B14F-4D97-AF65-F5344CB8AC3E}">
-        <p14:creationId xmlns:p14="http://schemas.microsoft.com/office/powerpoint/2010/main" val="1115700529"/>
-      </p:ext>
-    </p:extLst>
-  </p:cSld>
-  <p:clrMapOvr>
-    <a:masterClrMapping/>
-  </p:clrMapOvr>
-</p:sld>
-</file>
-
-<file path=ppt/slides/slide7.xml><?xml version="1.0" encoding="utf-8"?>
-<p:sld xmlns:a="http://schemas.openxmlformats.org/drawingml/2006/main" xmlns:r="http://schemas.openxmlformats.org/officeDocument/2006/relationships" xmlns:p="http://schemas.openxmlformats.org/presentationml/2006/main">
-  <p:cSld>
-    <p:spTree>
-      <p:nvGrpSpPr>
-        <p:cNvPr id="1" name=""/>
-        <p:cNvGrpSpPr/>
-        <p:nvPr/>
-      </p:nvGrpSpPr>
-      <p:grpSpPr>
-        <a:xfrm>
-          <a:off x="0" y="0"/>
-          <a:ext cx="0" cy="0"/>
-          <a:chOff x="0" y="0"/>
-          <a:chExt cx="0" cy="0"/>
-        </a:xfrm>
-      </p:grpSpPr>
-      <p:sp>
-        <p:nvSpPr>
-          <p:cNvPr id="4" name="CuadroTexto 3">
-            <a:extLst>
-              <a:ext uri="{FF2B5EF4-FFF2-40B4-BE49-F238E27FC236}">
-                <a16:creationId xmlns:a16="http://schemas.microsoft.com/office/drawing/2014/main" id="{F96BF9F7-3850-4EC2-AD7A-31791C2AE1C6}"/>
-              </a:ext>
-            </a:extLst>
-          </p:cNvPr>
-          <p:cNvSpPr txBox="1"/>
-          <p:nvPr/>
-        </p:nvSpPr>
-        <p:spPr>
-          <a:xfrm>
-            <a:off x="4333709" y="115337"/>
-            <a:ext cx="2465547" cy="369332"/>
-          </a:xfrm>
-          <a:prstGeom prst="rect">
-            <a:avLst/>
-          </a:prstGeom>
-          <a:noFill/>
-        </p:spPr>
-        <p:txBody>
-          <a:bodyPr wrap="none" rtlCol="0">
-            <a:spAutoFit/>
-          </a:bodyPr>
-          <a:lstStyle/>
-          <a:p>
-            <a:pPr algn="ctr"/>
-            <a:r>
-              <a:rPr lang="en-US" b="1" dirty="0">
-                <a:solidFill>
-                  <a:srgbClr val="FF0000"/>
-                </a:solidFill>
-              </a:rPr>
-              <a:t>Results and Conclusions</a:t>
-            </a:r>
-          </a:p>
-        </p:txBody>
-      </p:sp>
-      <p:pic>
-        <p:nvPicPr>
-          <p:cNvPr id="6" name="Imagen 5">
-            <a:extLst>
-              <a:ext uri="{FF2B5EF4-FFF2-40B4-BE49-F238E27FC236}">
-                <a16:creationId xmlns:a16="http://schemas.microsoft.com/office/drawing/2014/main" id="{F20938AC-C36E-4D8B-BFEA-C36BC8ECDC55}"/>
-              </a:ext>
-            </a:extLst>
-          </p:cNvPr>
-          <p:cNvPicPr>
-            <a:picLocks noChangeAspect="1"/>
-          </p:cNvPicPr>
-          <p:nvPr/>
-        </p:nvPicPr>
-        <p:blipFill>
-          <a:blip r:embed="rId2"/>
-          <a:stretch>
-            <a:fillRect/>
-          </a:stretch>
-        </p:blipFill>
-        <p:spPr>
-          <a:xfrm>
-            <a:off x="5843920" y="1594815"/>
+            <a:off x="2545404" y="3819541"/>
             <a:ext cx="5703857" cy="896446"/>
           </a:xfrm>
           <a:prstGeom prst="rect">
@@ -5998,7 +6404,7 @@
         </p:blipFill>
         <p:spPr>
           <a:xfrm>
-            <a:off x="1143786" y="1594815"/>
+            <a:off x="3957314" y="1552271"/>
             <a:ext cx="2880040" cy="901387"/>
           </a:xfrm>
           <a:prstGeom prst="rect">
@@ -6020,7 +6426,7 @@
         </p:nvSpPr>
         <p:spPr>
           <a:xfrm>
-            <a:off x="1611665" y="1050621"/>
+            <a:off x="4524547" y="833804"/>
             <a:ext cx="1745574" cy="369332"/>
           </a:xfrm>
           <a:prstGeom prst="rect">
@@ -6055,7 +6461,7 @@
         </p:nvSpPr>
         <p:spPr>
           <a:xfrm>
-            <a:off x="8160992" y="1050621"/>
+            <a:off x="4825932" y="3059668"/>
             <a:ext cx="1142803" cy="369332"/>
           </a:xfrm>
           <a:prstGeom prst="rect">
@@ -6072,42 +6478,6 @@
             <a:r>
               <a:rPr lang="es-US" dirty="0"/>
               <a:t>COVID-19 </a:t>
-            </a:r>
-          </a:p>
-        </p:txBody>
-      </p:sp>
-      <p:sp>
-        <p:nvSpPr>
-          <p:cNvPr id="9" name="CuadroTexto 8">
-            <a:extLst>
-              <a:ext uri="{FF2B5EF4-FFF2-40B4-BE49-F238E27FC236}">
-                <a16:creationId xmlns:a16="http://schemas.microsoft.com/office/drawing/2014/main" id="{26EB28F6-0761-4CAD-81A0-CE3A792B9546}"/>
-              </a:ext>
-            </a:extLst>
-          </p:cNvPr>
-          <p:cNvSpPr txBox="1"/>
-          <p:nvPr/>
-        </p:nvSpPr>
-        <p:spPr>
-          <a:xfrm>
-            <a:off x="4693696" y="4011998"/>
-            <a:ext cx="1745574" cy="369332"/>
-          </a:xfrm>
-          <a:prstGeom prst="rect">
-            <a:avLst/>
-          </a:prstGeom>
-          <a:noFill/>
-        </p:spPr>
-        <p:txBody>
-          <a:bodyPr wrap="square">
-            <a:spAutoFit/>
-          </a:bodyPr>
-          <a:lstStyle/>
-          <a:p>
-            <a:pPr algn="ctr"/>
-            <a:r>
-              <a:rPr lang="es-US" dirty="0"/>
-              <a:t>Project</a:t>
             </a:r>
           </a:p>
         </p:txBody>
@@ -6418,4 +6788,299 @@
     </a:ext>
   </a:extLst>
 </a:theme>
+</file>
+
+<file path=ppt/theme/theme2.xml><?xml version="1.0" encoding="utf-8"?>
+<a:theme xmlns:a="http://schemas.openxmlformats.org/drawingml/2006/main" name="Tema de Office">
+  <a:themeElements>
+    <a:clrScheme name="Office">
+      <a:dk1>
+        <a:sysClr val="windowText" lastClr="000000"/>
+      </a:dk1>
+      <a:lt1>
+        <a:sysClr val="window" lastClr="FFFFFF"/>
+      </a:lt1>
+      <a:dk2>
+        <a:srgbClr val="44546A"/>
+      </a:dk2>
+      <a:lt2>
+        <a:srgbClr val="E7E6E6"/>
+      </a:lt2>
+      <a:accent1>
+        <a:srgbClr val="4472C4"/>
+      </a:accent1>
+      <a:accent2>
+        <a:srgbClr val="ED7D31"/>
+      </a:accent2>
+      <a:accent3>
+        <a:srgbClr val="A5A5A5"/>
+      </a:accent3>
+      <a:accent4>
+        <a:srgbClr val="FFC000"/>
+      </a:accent4>
+      <a:accent5>
+        <a:srgbClr val="5B9BD5"/>
+      </a:accent5>
+      <a:accent6>
+        <a:srgbClr val="70AD47"/>
+      </a:accent6>
+      <a:hlink>
+        <a:srgbClr val="0563C1"/>
+      </a:hlink>
+      <a:folHlink>
+        <a:srgbClr val="954F72"/>
+      </a:folHlink>
+    </a:clrScheme>
+    <a:fontScheme name="Office">
+      <a:majorFont>
+        <a:latin typeface="Calibri Light" panose="020F0302020204030204"/>
+        <a:ea typeface=""/>
+        <a:cs typeface=""/>
+        <a:font script="Jpan" typeface="游ゴシック Light"/>
+        <a:font script="Hang" typeface="맑은 고딕"/>
+        <a:font script="Hans" typeface="等线 Light"/>
+        <a:font script="Hant" typeface="新細明體"/>
+        <a:font script="Arab" typeface="Times New Roman"/>
+        <a:font script="Hebr" typeface="Times New Roman"/>
+        <a:font script="Thai" typeface="Angsana New"/>
+        <a:font script="Ethi" typeface="Nyala"/>
+        <a:font script="Beng" typeface="Vrinda"/>
+        <a:font script="Gujr" typeface="Shruti"/>
+        <a:font script="Khmr" typeface="MoolBoran"/>
+        <a:font script="Knda" typeface="Tunga"/>
+        <a:font script="Guru" typeface="Raavi"/>
+        <a:font script="Cans" typeface="Euphemia"/>
+        <a:font script="Cher" typeface="Plantagenet Cherokee"/>
+        <a:font script="Yiii" typeface="Microsoft Yi Baiti"/>
+        <a:font script="Tibt" typeface="Microsoft Himalaya"/>
+        <a:font script="Thaa" typeface="MV Boli"/>
+        <a:font script="Deva" typeface="Mangal"/>
+        <a:font script="Telu" typeface="Gautami"/>
+        <a:font script="Taml" typeface="Latha"/>
+        <a:font script="Syrc" typeface="Estrangelo Edessa"/>
+        <a:font script="Orya" typeface="Kalinga"/>
+        <a:font script="Mlym" typeface="Kartika"/>
+        <a:font script="Laoo" typeface="DokChampa"/>
+        <a:font script="Sinh" typeface="Iskoola Pota"/>
+        <a:font script="Mong" typeface="Mongolian Baiti"/>
+        <a:font script="Viet" typeface="Times New Roman"/>
+        <a:font script="Uigh" typeface="Microsoft Uighur"/>
+        <a:font script="Geor" typeface="Sylfaen"/>
+        <a:font script="Armn" typeface="Arial"/>
+        <a:font script="Bugi" typeface="Leelawadee UI"/>
+        <a:font script="Bopo" typeface="Microsoft JhengHei"/>
+        <a:font script="Java" typeface="Javanese Text"/>
+        <a:font script="Lisu" typeface="Segoe UI"/>
+        <a:font script="Mymr" typeface="Myanmar Text"/>
+        <a:font script="Nkoo" typeface="Ebrima"/>
+        <a:font script="Olck" typeface="Nirmala UI"/>
+        <a:font script="Osma" typeface="Ebrima"/>
+        <a:font script="Phag" typeface="Phagspa"/>
+        <a:font script="Syrn" typeface="Estrangelo Edessa"/>
+        <a:font script="Syrj" typeface="Estrangelo Edessa"/>
+        <a:font script="Syre" typeface="Estrangelo Edessa"/>
+        <a:font script="Sora" typeface="Nirmala UI"/>
+        <a:font script="Tale" typeface="Microsoft Tai Le"/>
+        <a:font script="Talu" typeface="Microsoft New Tai Lue"/>
+        <a:font script="Tfng" typeface="Ebrima"/>
+      </a:majorFont>
+      <a:minorFont>
+        <a:latin typeface="Calibri" panose="020F0502020204030204"/>
+        <a:ea typeface=""/>
+        <a:cs typeface=""/>
+        <a:font script="Jpan" typeface="游ゴシック"/>
+        <a:font script="Hang" typeface="맑은 고딕"/>
+        <a:font script="Hans" typeface="等线"/>
+        <a:font script="Hant" typeface="新細明體"/>
+        <a:font script="Arab" typeface="Arial"/>
+        <a:font script="Hebr" typeface="Arial"/>
+        <a:font script="Thai" typeface="Cordia New"/>
+        <a:font script="Ethi" typeface="Nyala"/>
+        <a:font script="Beng" typeface="Vrinda"/>
+        <a:font script="Gujr" typeface="Shruti"/>
+        <a:font script="Khmr" typeface="DaunPenh"/>
+        <a:font script="Knda" typeface="Tunga"/>
+        <a:font script="Guru" typeface="Raavi"/>
+        <a:font script="Cans" typeface="Euphemia"/>
+        <a:font script="Cher" typeface="Plantagenet Cherokee"/>
+        <a:font script="Yiii" typeface="Microsoft Yi Baiti"/>
+        <a:font script="Tibt" typeface="Microsoft Himalaya"/>
+        <a:font script="Thaa" typeface="MV Boli"/>
+        <a:font script="Deva" typeface="Mangal"/>
+        <a:font script="Telu" typeface="Gautami"/>
+        <a:font script="Taml" typeface="Latha"/>
+        <a:font script="Syrc" typeface="Estrangelo Edessa"/>
+        <a:font script="Orya" typeface="Kalinga"/>
+        <a:font script="Mlym" typeface="Kartika"/>
+        <a:font script="Laoo" typeface="DokChampa"/>
+        <a:font script="Sinh" typeface="Iskoola Pota"/>
+        <a:font script="Mong" typeface="Mongolian Baiti"/>
+        <a:font script="Viet" typeface="Arial"/>
+        <a:font script="Uigh" typeface="Microsoft Uighur"/>
+        <a:font script="Geor" typeface="Sylfaen"/>
+        <a:font script="Armn" typeface="Arial"/>
+        <a:font script="Bugi" typeface="Leelawadee UI"/>
+        <a:font script="Bopo" typeface="Microsoft JhengHei"/>
+        <a:font script="Java" typeface="Javanese Text"/>
+        <a:font script="Lisu" typeface="Segoe UI"/>
+        <a:font script="Mymr" typeface="Myanmar Text"/>
+        <a:font script="Nkoo" typeface="Ebrima"/>
+        <a:font script="Olck" typeface="Nirmala UI"/>
+        <a:font script="Osma" typeface="Ebrima"/>
+        <a:font script="Phag" typeface="Phagspa"/>
+        <a:font script="Syrn" typeface="Estrangelo Edessa"/>
+        <a:font script="Syrj" typeface="Estrangelo Edessa"/>
+        <a:font script="Syre" typeface="Estrangelo Edessa"/>
+        <a:font script="Sora" typeface="Nirmala UI"/>
+        <a:font script="Tale" typeface="Microsoft Tai Le"/>
+        <a:font script="Talu" typeface="Microsoft New Tai Lue"/>
+        <a:font script="Tfng" typeface="Ebrima"/>
+      </a:minorFont>
+    </a:fontScheme>
+    <a:fmtScheme name="Office">
+      <a:fillStyleLst>
+        <a:solidFill>
+          <a:schemeClr val="phClr"/>
+        </a:solidFill>
+        <a:gradFill rotWithShape="1">
+          <a:gsLst>
+            <a:gs pos="0">
+              <a:schemeClr val="phClr">
+                <a:lumMod val="110000"/>
+                <a:satMod val="105000"/>
+                <a:tint val="67000"/>
+              </a:schemeClr>
+            </a:gs>
+            <a:gs pos="50000">
+              <a:schemeClr val="phClr">
+                <a:lumMod val="105000"/>
+                <a:satMod val="103000"/>
+                <a:tint val="73000"/>
+              </a:schemeClr>
+            </a:gs>
+            <a:gs pos="100000">
+              <a:schemeClr val="phClr">
+                <a:lumMod val="105000"/>
+                <a:satMod val="109000"/>
+                <a:tint val="81000"/>
+              </a:schemeClr>
+            </a:gs>
+          </a:gsLst>
+          <a:lin ang="5400000" scaled="0"/>
+        </a:gradFill>
+        <a:gradFill rotWithShape="1">
+          <a:gsLst>
+            <a:gs pos="0">
+              <a:schemeClr val="phClr">
+                <a:satMod val="103000"/>
+                <a:lumMod val="102000"/>
+                <a:tint val="94000"/>
+              </a:schemeClr>
+            </a:gs>
+            <a:gs pos="50000">
+              <a:schemeClr val="phClr">
+                <a:satMod val="110000"/>
+                <a:lumMod val="100000"/>
+                <a:shade val="100000"/>
+              </a:schemeClr>
+            </a:gs>
+            <a:gs pos="100000">
+              <a:schemeClr val="phClr">
+                <a:lumMod val="99000"/>
+                <a:satMod val="120000"/>
+                <a:shade val="78000"/>
+              </a:schemeClr>
+            </a:gs>
+          </a:gsLst>
+          <a:lin ang="5400000" scaled="0"/>
+        </a:gradFill>
+      </a:fillStyleLst>
+      <a:lnStyleLst>
+        <a:ln w="6350" cap="flat" cmpd="sng" algn="ctr">
+          <a:solidFill>
+            <a:schemeClr val="phClr"/>
+          </a:solidFill>
+          <a:prstDash val="solid"/>
+          <a:miter lim="800000"/>
+        </a:ln>
+        <a:ln w="12700" cap="flat" cmpd="sng" algn="ctr">
+          <a:solidFill>
+            <a:schemeClr val="phClr"/>
+          </a:solidFill>
+          <a:prstDash val="solid"/>
+          <a:miter lim="800000"/>
+        </a:ln>
+        <a:ln w="19050" cap="flat" cmpd="sng" algn="ctr">
+          <a:solidFill>
+            <a:schemeClr val="phClr"/>
+          </a:solidFill>
+          <a:prstDash val="solid"/>
+          <a:miter lim="800000"/>
+        </a:ln>
+      </a:lnStyleLst>
+      <a:effectStyleLst>
+        <a:effectStyle>
+          <a:effectLst/>
+        </a:effectStyle>
+        <a:effectStyle>
+          <a:effectLst/>
+        </a:effectStyle>
+        <a:effectStyle>
+          <a:effectLst>
+            <a:outerShdw blurRad="57150" dist="19050" dir="5400000" algn="ctr" rotWithShape="0">
+              <a:srgbClr val="000000">
+                <a:alpha val="63000"/>
+              </a:srgbClr>
+            </a:outerShdw>
+          </a:effectLst>
+        </a:effectStyle>
+      </a:effectStyleLst>
+      <a:bgFillStyleLst>
+        <a:solidFill>
+          <a:schemeClr val="phClr"/>
+        </a:solidFill>
+        <a:solidFill>
+          <a:schemeClr val="phClr">
+            <a:tint val="95000"/>
+            <a:satMod val="170000"/>
+          </a:schemeClr>
+        </a:solidFill>
+        <a:gradFill rotWithShape="1">
+          <a:gsLst>
+            <a:gs pos="0">
+              <a:schemeClr val="phClr">
+                <a:tint val="93000"/>
+                <a:satMod val="150000"/>
+                <a:shade val="98000"/>
+                <a:lumMod val="102000"/>
+              </a:schemeClr>
+            </a:gs>
+            <a:gs pos="50000">
+              <a:schemeClr val="phClr">
+                <a:tint val="98000"/>
+                <a:satMod val="130000"/>
+                <a:shade val="90000"/>
+                <a:lumMod val="103000"/>
+              </a:schemeClr>
+            </a:gs>
+            <a:gs pos="100000">
+              <a:schemeClr val="phClr">
+                <a:shade val="63000"/>
+                <a:satMod val="120000"/>
+              </a:schemeClr>
+            </a:gs>
+          </a:gsLst>
+          <a:lin ang="5400000" scaled="0"/>
+        </a:gradFill>
+      </a:bgFillStyleLst>
+    </a:fmtScheme>
+  </a:themeElements>
+  <a:objectDefaults/>
+  <a:extraClrSchemeLst/>
+  <a:extLst>
+    <a:ext uri="{05A4C25C-085E-4340-85A3-A5531E510DB2}">
+      <thm15:themeFamily xmlns:thm15="http://schemas.microsoft.com/office/thememl/2012/main" name="Office Theme" id="{62F939B6-93AF-4DB8-9C6B-D6C7DFDC589F}" vid="{4A3C46E8-61CC-4603-A589-7422A47A8E4A}"/>
+    </a:ext>
+  </a:extLst>
+</a:theme>
 </file>